--- a/doc/xEyes-overview_v0.pptx
+++ b/doc/xEyes-overview_v0.pptx
@@ -113,6 +113,22 @@
       </a:defRPr>
     </a:lvl9pPr>
   </p:defaultTextStyle>
+  <p:extLst>
+    <p:ext uri="{EFAFB233-063F-42B5-8137-9DF3F51BA10A}">
+      <p15:sldGuideLst xmlns:p15="http://schemas.microsoft.com/office/powerpoint/2012/main">
+        <p15:guide id="1" orient="horz" pos="768">
+          <p15:clr>
+            <a:srgbClr val="A4A3A4"/>
+          </p15:clr>
+        </p15:guide>
+        <p15:guide id="2" pos="2880">
+          <p15:clr>
+            <a:srgbClr val="A4A3A4"/>
+          </p15:clr>
+        </p15:guide>
+      </p15:sldGuideLst>
+    </p:ext>
+  </p:extLst>
 </p:presentation>
 </file>
 
@@ -198,7 +214,7 @@
           <a:p>
             <a:fld id="{2342747B-ABD7-4A52-A26E-B0D2AACA0B36}" type="datetimeFigureOut">
               <a:rPr lang="en-US" smtClean="0"/>
-              <a:t>11/1/2019</a:t>
+              <a:t>12/19/2020</a:t>
             </a:fld>
             <a:endParaRPr lang="en-US"/>
           </a:p>
@@ -1068,7 +1084,7 @@
             <a:fld id="{1D8BD707-D9CF-40AE-B4C6-C98DA3205C09}" type="datetimeFigureOut">
               <a:rPr lang="en-US" smtClean="0"/>
               <a:pPr/>
-              <a:t>11/1/2019</a:t>
+              <a:t>12/19/2020</a:t>
             </a:fld>
             <a:endParaRPr lang="en-US"/>
           </a:p>
@@ -1235,7 +1251,7 @@
             <a:fld id="{1D8BD707-D9CF-40AE-B4C6-C98DA3205C09}" type="datetimeFigureOut">
               <a:rPr lang="en-US" smtClean="0"/>
               <a:pPr/>
-              <a:t>11/1/2019</a:t>
+              <a:t>12/19/2020</a:t>
             </a:fld>
             <a:endParaRPr lang="en-US"/>
           </a:p>
@@ -1412,7 +1428,7 @@
             <a:fld id="{1D8BD707-D9CF-40AE-B4C6-C98DA3205C09}" type="datetimeFigureOut">
               <a:rPr lang="en-US" smtClean="0"/>
               <a:pPr/>
-              <a:t>11/1/2019</a:t>
+              <a:t>12/19/2020</a:t>
             </a:fld>
             <a:endParaRPr lang="en-US"/>
           </a:p>
@@ -1579,7 +1595,7 @@
             <a:fld id="{1D8BD707-D9CF-40AE-B4C6-C98DA3205C09}" type="datetimeFigureOut">
               <a:rPr lang="en-US" smtClean="0"/>
               <a:pPr/>
-              <a:t>11/1/2019</a:t>
+              <a:t>12/19/2020</a:t>
             </a:fld>
             <a:endParaRPr lang="en-US"/>
           </a:p>
@@ -1822,7 +1838,7 @@
             <a:fld id="{1D8BD707-D9CF-40AE-B4C6-C98DA3205C09}" type="datetimeFigureOut">
               <a:rPr lang="en-US" smtClean="0"/>
               <a:pPr/>
-              <a:t>11/1/2019</a:t>
+              <a:t>12/19/2020</a:t>
             </a:fld>
             <a:endParaRPr lang="en-US"/>
           </a:p>
@@ -2107,7 +2123,7 @@
             <a:fld id="{1D8BD707-D9CF-40AE-B4C6-C98DA3205C09}" type="datetimeFigureOut">
               <a:rPr lang="en-US" smtClean="0"/>
               <a:pPr/>
-              <a:t>11/1/2019</a:t>
+              <a:t>12/19/2020</a:t>
             </a:fld>
             <a:endParaRPr lang="en-US"/>
           </a:p>
@@ -2526,7 +2542,7 @@
             <a:fld id="{1D8BD707-D9CF-40AE-B4C6-C98DA3205C09}" type="datetimeFigureOut">
               <a:rPr lang="en-US" smtClean="0"/>
               <a:pPr/>
-              <a:t>11/1/2019</a:t>
+              <a:t>12/19/2020</a:t>
             </a:fld>
             <a:endParaRPr lang="en-US"/>
           </a:p>
@@ -2641,7 +2657,7 @@
             <a:fld id="{1D8BD707-D9CF-40AE-B4C6-C98DA3205C09}" type="datetimeFigureOut">
               <a:rPr lang="en-US" smtClean="0"/>
               <a:pPr/>
-              <a:t>11/1/2019</a:t>
+              <a:t>12/19/2020</a:t>
             </a:fld>
             <a:endParaRPr lang="en-US"/>
           </a:p>
@@ -2733,7 +2749,7 @@
             <a:fld id="{1D8BD707-D9CF-40AE-B4C6-C98DA3205C09}" type="datetimeFigureOut">
               <a:rPr lang="en-US" smtClean="0"/>
               <a:pPr/>
-              <a:t>11/1/2019</a:t>
+              <a:t>12/19/2020</a:t>
             </a:fld>
             <a:endParaRPr lang="en-US"/>
           </a:p>
@@ -3007,7 +3023,7 @@
             <a:fld id="{1D8BD707-D9CF-40AE-B4C6-C98DA3205C09}" type="datetimeFigureOut">
               <a:rPr lang="en-US" smtClean="0"/>
               <a:pPr/>
-              <a:t>11/1/2019</a:t>
+              <a:t>12/19/2020</a:t>
             </a:fld>
             <a:endParaRPr lang="en-US"/>
           </a:p>
@@ -3257,7 +3273,7 @@
             <a:fld id="{1D8BD707-D9CF-40AE-B4C6-C98DA3205C09}" type="datetimeFigureOut">
               <a:rPr lang="en-US" smtClean="0"/>
               <a:pPr/>
-              <a:t>11/1/2019</a:t>
+              <a:t>12/19/2020</a:t>
             </a:fld>
             <a:endParaRPr lang="en-US"/>
           </a:p>
@@ -3467,7 +3483,7 @@
             <a:fld id="{1D8BD707-D9CF-40AE-B4C6-C98DA3205C09}" type="datetimeFigureOut">
               <a:rPr lang="en-US" smtClean="0"/>
               <a:pPr/>
-              <a:t>11/1/2019</a:t>
+              <a:t>12/19/2020</a:t>
             </a:fld>
             <a:endParaRPr lang="en-US"/>
           </a:p>
@@ -5837,7 +5853,7 @@
                   <a:schemeClr val="tx1"/>
                 </a:solidFill>
               </a:rPr>
-              <a:t>DeMixer</a:t>
+              <a:t>DeMuxer</a:t>
             </a:r>
             <a:r>
               <a:rPr lang="en-US" dirty="0" smtClean="0">
@@ -5845,7 +5861,15 @@
                   <a:schemeClr val="tx1"/>
                 </a:solidFill>
               </a:rPr>
-              <a:t> &amp;Decoder</a:t>
+              <a:t> </a:t>
+            </a:r>
+            <a:r>
+              <a:rPr lang="en-US" dirty="0" smtClean="0">
+                <a:solidFill>
+                  <a:schemeClr val="tx1"/>
+                </a:solidFill>
+              </a:rPr>
+              <a:t>&amp;Decoder</a:t>
             </a:r>
             <a:endParaRPr lang="en-US" dirty="0">
               <a:solidFill>
@@ -11504,7 +11528,7 @@
         </p:nvGrpSpPr>
         <p:grpSpPr>
           <a:xfrm>
-            <a:off x="877900" y="152400"/>
+            <a:off x="904596" y="240268"/>
             <a:ext cx="4227500" cy="3276600"/>
             <a:chOff x="4590393" y="685800"/>
             <a:chExt cx="1828800" cy="1905000"/>
@@ -11612,11 +11636,6 @@
                 </a:rPr>
                 <a:t>c1</a:t>
               </a:r>
-              <a:endParaRPr lang="en-US" dirty="0" smtClean="0">
-                <a:solidFill>
-                  <a:schemeClr val="tx1"/>
-                </a:solidFill>
-              </a:endParaRPr>
             </a:p>
           </p:txBody>
         </p:sp>
@@ -11672,11 +11691,6 @@
                 </a:rPr>
                 <a:t>c2</a:t>
               </a:r>
-              <a:endParaRPr lang="en-US" dirty="0" smtClean="0">
-                <a:solidFill>
-                  <a:schemeClr val="tx1"/>
-                </a:solidFill>
-              </a:endParaRPr>
             </a:p>
           </p:txBody>
         </p:sp>
@@ -11732,11 +11746,6 @@
                 </a:rPr>
                 <a:t>c3</a:t>
               </a:r>
-              <a:endParaRPr lang="en-US" dirty="0" smtClean="0">
-                <a:solidFill>
-                  <a:schemeClr val="tx1"/>
-                </a:solidFill>
-              </a:endParaRPr>
             </a:p>
           </p:txBody>
         </p:sp>
@@ -11792,11 +11801,6 @@
                 </a:rPr>
                 <a:t>c4</a:t>
               </a:r>
-              <a:endParaRPr lang="en-US" dirty="0" smtClean="0">
-                <a:solidFill>
-                  <a:schemeClr val="tx1"/>
-                </a:solidFill>
-              </a:endParaRPr>
             </a:p>
           </p:txBody>
         </p:sp>
@@ -11809,7 +11813,7 @@
         </p:nvSpPr>
         <p:spPr>
           <a:xfrm>
-            <a:off x="901548" y="3440668"/>
+            <a:off x="922884" y="3486388"/>
             <a:ext cx="4203852" cy="990600"/>
           </a:xfrm>
           <a:prstGeom prst="rect">

--- a/doc/xEyes-overview_v0.pptx
+++ b/doc/xEyes-overview_v0.pptx
@@ -214,7 +214,7 @@
           <a:p>
             <a:fld id="{2342747B-ABD7-4A52-A26E-B0D2AACA0B36}" type="datetimeFigureOut">
               <a:rPr lang="en-US" smtClean="0"/>
-              <a:t>12/19/2020</a:t>
+              <a:t>5/30/2023</a:t>
             </a:fld>
             <a:endParaRPr lang="en-US"/>
           </a:p>
@@ -278,38 +278,37 @@
           <a:p>
             <a:pPr lvl="0"/>
             <a:r>
-              <a:rPr lang="en-US" smtClean="0"/>
+              <a:rPr lang="en-US"/>
               <a:t>Click to edit Master text styles</a:t>
             </a:r>
           </a:p>
           <a:p>
             <a:pPr lvl="1"/>
             <a:r>
-              <a:rPr lang="en-US" smtClean="0"/>
+              <a:rPr lang="en-US"/>
               <a:t>Second level</a:t>
             </a:r>
           </a:p>
           <a:p>
             <a:pPr lvl="2"/>
             <a:r>
-              <a:rPr lang="en-US" smtClean="0"/>
+              <a:rPr lang="en-US"/>
               <a:t>Third level</a:t>
             </a:r>
           </a:p>
           <a:p>
             <a:pPr lvl="3"/>
             <a:r>
-              <a:rPr lang="en-US" smtClean="0"/>
+              <a:rPr lang="en-US"/>
               <a:t>Fourth level</a:t>
             </a:r>
           </a:p>
           <a:p>
             <a:pPr lvl="4"/>
             <a:r>
-              <a:rPr lang="en-US" smtClean="0"/>
+              <a:rPr lang="en-US"/>
               <a:t>Fifth level</a:t>
             </a:r>
-            <a:endParaRPr lang="en-US"/>
           </a:p>
         </p:txBody>
       </p:sp>
@@ -940,10 +939,9 @@
           <a:lstStyle/>
           <a:p>
             <a:r>
-              <a:rPr lang="en-US" smtClean="0"/>
+              <a:rPr lang="en-US"/>
               <a:t>Click to edit Master title style</a:t>
             </a:r>
-            <a:endParaRPr lang="en-US"/>
           </a:p>
         </p:txBody>
       </p:sp>
@@ -1059,10 +1057,9 @@
           </a:lstStyle>
           <a:p>
             <a:r>
-              <a:rPr lang="en-US" smtClean="0"/>
+              <a:rPr lang="en-US"/>
               <a:t>Click to edit Master subtitle style</a:t>
             </a:r>
-            <a:endParaRPr lang="en-US"/>
           </a:p>
         </p:txBody>
       </p:sp>
@@ -1084,7 +1081,7 @@
             <a:fld id="{1D8BD707-D9CF-40AE-B4C6-C98DA3205C09}" type="datetimeFigureOut">
               <a:rPr lang="en-US" smtClean="0"/>
               <a:pPr/>
-              <a:t>12/19/2020</a:t>
+              <a:t>5/30/2023</a:t>
             </a:fld>
             <a:endParaRPr lang="en-US"/>
           </a:p>
@@ -1174,10 +1171,9 @@
           <a:lstStyle/>
           <a:p>
             <a:r>
-              <a:rPr lang="en-US" smtClean="0"/>
+              <a:rPr lang="en-US"/>
               <a:t>Click to edit Master title style</a:t>
             </a:r>
-            <a:endParaRPr lang="en-US"/>
           </a:p>
         </p:txBody>
       </p:sp>
@@ -1198,38 +1194,37 @@
           <a:p>
             <a:pPr lvl="0"/>
             <a:r>
-              <a:rPr lang="en-US" smtClean="0"/>
+              <a:rPr lang="en-US"/>
               <a:t>Click to edit Master text styles</a:t>
             </a:r>
           </a:p>
           <a:p>
             <a:pPr lvl="1"/>
             <a:r>
-              <a:rPr lang="en-US" smtClean="0"/>
+              <a:rPr lang="en-US"/>
               <a:t>Second level</a:t>
             </a:r>
           </a:p>
           <a:p>
             <a:pPr lvl="2"/>
             <a:r>
-              <a:rPr lang="en-US" smtClean="0"/>
+              <a:rPr lang="en-US"/>
               <a:t>Third level</a:t>
             </a:r>
           </a:p>
           <a:p>
             <a:pPr lvl="3"/>
             <a:r>
-              <a:rPr lang="en-US" smtClean="0"/>
+              <a:rPr lang="en-US"/>
               <a:t>Fourth level</a:t>
             </a:r>
           </a:p>
           <a:p>
             <a:pPr lvl="4"/>
             <a:r>
-              <a:rPr lang="en-US" smtClean="0"/>
+              <a:rPr lang="en-US"/>
               <a:t>Fifth level</a:t>
             </a:r>
-            <a:endParaRPr lang="en-US"/>
           </a:p>
         </p:txBody>
       </p:sp>
@@ -1251,7 +1246,7 @@
             <a:fld id="{1D8BD707-D9CF-40AE-B4C6-C98DA3205C09}" type="datetimeFigureOut">
               <a:rPr lang="en-US" smtClean="0"/>
               <a:pPr/>
-              <a:t>12/19/2020</a:t>
+              <a:t>5/30/2023</a:t>
             </a:fld>
             <a:endParaRPr lang="en-US"/>
           </a:p>
@@ -1346,10 +1341,9 @@
           <a:lstStyle/>
           <a:p>
             <a:r>
-              <a:rPr lang="en-US" smtClean="0"/>
+              <a:rPr lang="en-US"/>
               <a:t>Click to edit Master title style</a:t>
             </a:r>
-            <a:endParaRPr lang="en-US"/>
           </a:p>
         </p:txBody>
       </p:sp>
@@ -1375,38 +1369,37 @@
           <a:p>
             <a:pPr lvl="0"/>
             <a:r>
-              <a:rPr lang="en-US" smtClean="0"/>
+              <a:rPr lang="en-US"/>
               <a:t>Click to edit Master text styles</a:t>
             </a:r>
           </a:p>
           <a:p>
             <a:pPr lvl="1"/>
             <a:r>
-              <a:rPr lang="en-US" smtClean="0"/>
+              <a:rPr lang="en-US"/>
               <a:t>Second level</a:t>
             </a:r>
           </a:p>
           <a:p>
             <a:pPr lvl="2"/>
             <a:r>
-              <a:rPr lang="en-US" smtClean="0"/>
+              <a:rPr lang="en-US"/>
               <a:t>Third level</a:t>
             </a:r>
           </a:p>
           <a:p>
             <a:pPr lvl="3"/>
             <a:r>
-              <a:rPr lang="en-US" smtClean="0"/>
+              <a:rPr lang="en-US"/>
               <a:t>Fourth level</a:t>
             </a:r>
           </a:p>
           <a:p>
             <a:pPr lvl="4"/>
             <a:r>
-              <a:rPr lang="en-US" smtClean="0"/>
+              <a:rPr lang="en-US"/>
               <a:t>Fifth level</a:t>
             </a:r>
-            <a:endParaRPr lang="en-US"/>
           </a:p>
         </p:txBody>
       </p:sp>
@@ -1428,7 +1421,7 @@
             <a:fld id="{1D8BD707-D9CF-40AE-B4C6-C98DA3205C09}" type="datetimeFigureOut">
               <a:rPr lang="en-US" smtClean="0"/>
               <a:pPr/>
-              <a:t>12/19/2020</a:t>
+              <a:t>5/30/2023</a:t>
             </a:fld>
             <a:endParaRPr lang="en-US"/>
           </a:p>
@@ -1518,10 +1511,9 @@
           <a:lstStyle/>
           <a:p>
             <a:r>
-              <a:rPr lang="en-US" smtClean="0"/>
+              <a:rPr lang="en-US"/>
               <a:t>Click to edit Master title style</a:t>
             </a:r>
-            <a:endParaRPr lang="en-US"/>
           </a:p>
         </p:txBody>
       </p:sp>
@@ -1542,38 +1534,37 @@
           <a:p>
             <a:pPr lvl="0"/>
             <a:r>
-              <a:rPr lang="en-US" smtClean="0"/>
+              <a:rPr lang="en-US"/>
               <a:t>Click to edit Master text styles</a:t>
             </a:r>
           </a:p>
           <a:p>
             <a:pPr lvl="1"/>
             <a:r>
-              <a:rPr lang="en-US" smtClean="0"/>
+              <a:rPr lang="en-US"/>
               <a:t>Second level</a:t>
             </a:r>
           </a:p>
           <a:p>
             <a:pPr lvl="2"/>
             <a:r>
-              <a:rPr lang="en-US" smtClean="0"/>
+              <a:rPr lang="en-US"/>
               <a:t>Third level</a:t>
             </a:r>
           </a:p>
           <a:p>
             <a:pPr lvl="3"/>
             <a:r>
-              <a:rPr lang="en-US" smtClean="0"/>
+              <a:rPr lang="en-US"/>
               <a:t>Fourth level</a:t>
             </a:r>
           </a:p>
           <a:p>
             <a:pPr lvl="4"/>
             <a:r>
-              <a:rPr lang="en-US" smtClean="0"/>
+              <a:rPr lang="en-US"/>
               <a:t>Fifth level</a:t>
             </a:r>
-            <a:endParaRPr lang="en-US"/>
           </a:p>
         </p:txBody>
       </p:sp>
@@ -1595,7 +1586,7 @@
             <a:fld id="{1D8BD707-D9CF-40AE-B4C6-C98DA3205C09}" type="datetimeFigureOut">
               <a:rPr lang="en-US" smtClean="0"/>
               <a:pPr/>
-              <a:t>12/19/2020</a:t>
+              <a:t>5/30/2023</a:t>
             </a:fld>
             <a:endParaRPr lang="en-US"/>
           </a:p>
@@ -1694,10 +1685,9 @@
           </a:lstStyle>
           <a:p>
             <a:r>
-              <a:rPr lang="en-US" smtClean="0"/>
+              <a:rPr lang="en-US"/>
               <a:t>Click to edit Master title style</a:t>
             </a:r>
-            <a:endParaRPr lang="en-US"/>
           </a:p>
         </p:txBody>
       </p:sp>
@@ -1814,7 +1804,7 @@
           <a:p>
             <a:pPr lvl="0"/>
             <a:r>
-              <a:rPr lang="en-US" smtClean="0"/>
+              <a:rPr lang="en-US"/>
               <a:t>Click to edit Master text styles</a:t>
             </a:r>
           </a:p>
@@ -1838,7 +1828,7 @@
             <a:fld id="{1D8BD707-D9CF-40AE-B4C6-C98DA3205C09}" type="datetimeFigureOut">
               <a:rPr lang="en-US" smtClean="0"/>
               <a:pPr/>
-              <a:t>12/19/2020</a:t>
+              <a:t>5/30/2023</a:t>
             </a:fld>
             <a:endParaRPr lang="en-US"/>
           </a:p>
@@ -1928,10 +1918,9 @@
           <a:lstStyle/>
           <a:p>
             <a:r>
-              <a:rPr lang="en-US" smtClean="0"/>
+              <a:rPr lang="en-US"/>
               <a:t>Click to edit Master title style</a:t>
             </a:r>
-            <a:endParaRPr lang="en-US"/>
           </a:p>
         </p:txBody>
       </p:sp>
@@ -1985,38 +1974,37 @@
           <a:p>
             <a:pPr lvl="0"/>
             <a:r>
-              <a:rPr lang="en-US" smtClean="0"/>
+              <a:rPr lang="en-US"/>
               <a:t>Click to edit Master text styles</a:t>
             </a:r>
           </a:p>
           <a:p>
             <a:pPr lvl="1"/>
             <a:r>
-              <a:rPr lang="en-US" smtClean="0"/>
+              <a:rPr lang="en-US"/>
               <a:t>Second level</a:t>
             </a:r>
           </a:p>
           <a:p>
             <a:pPr lvl="2"/>
             <a:r>
-              <a:rPr lang="en-US" smtClean="0"/>
+              <a:rPr lang="en-US"/>
               <a:t>Third level</a:t>
             </a:r>
           </a:p>
           <a:p>
             <a:pPr lvl="3"/>
             <a:r>
-              <a:rPr lang="en-US" smtClean="0"/>
+              <a:rPr lang="en-US"/>
               <a:t>Fourth level</a:t>
             </a:r>
           </a:p>
           <a:p>
             <a:pPr lvl="4"/>
             <a:r>
-              <a:rPr lang="en-US" smtClean="0"/>
+              <a:rPr lang="en-US"/>
               <a:t>Fifth level</a:t>
             </a:r>
-            <a:endParaRPr lang="en-US"/>
           </a:p>
         </p:txBody>
       </p:sp>
@@ -2070,38 +2058,37 @@
           <a:p>
             <a:pPr lvl="0"/>
             <a:r>
-              <a:rPr lang="en-US" smtClean="0"/>
+              <a:rPr lang="en-US"/>
               <a:t>Click to edit Master text styles</a:t>
             </a:r>
           </a:p>
           <a:p>
             <a:pPr lvl="1"/>
             <a:r>
-              <a:rPr lang="en-US" smtClean="0"/>
+              <a:rPr lang="en-US"/>
               <a:t>Second level</a:t>
             </a:r>
           </a:p>
           <a:p>
             <a:pPr lvl="2"/>
             <a:r>
-              <a:rPr lang="en-US" smtClean="0"/>
+              <a:rPr lang="en-US"/>
               <a:t>Third level</a:t>
             </a:r>
           </a:p>
           <a:p>
             <a:pPr lvl="3"/>
             <a:r>
-              <a:rPr lang="en-US" smtClean="0"/>
+              <a:rPr lang="en-US"/>
               <a:t>Fourth level</a:t>
             </a:r>
           </a:p>
           <a:p>
             <a:pPr lvl="4"/>
             <a:r>
-              <a:rPr lang="en-US" smtClean="0"/>
+              <a:rPr lang="en-US"/>
               <a:t>Fifth level</a:t>
             </a:r>
-            <a:endParaRPr lang="en-US"/>
           </a:p>
         </p:txBody>
       </p:sp>
@@ -2123,7 +2110,7 @@
             <a:fld id="{1D8BD707-D9CF-40AE-B4C6-C98DA3205C09}" type="datetimeFigureOut">
               <a:rPr lang="en-US" smtClean="0"/>
               <a:pPr/>
-              <a:t>12/19/2020</a:t>
+              <a:t>5/30/2023</a:t>
             </a:fld>
             <a:endParaRPr lang="en-US"/>
           </a:p>
@@ -2217,10 +2204,9 @@
           </a:lstStyle>
           <a:p>
             <a:r>
-              <a:rPr lang="en-US" smtClean="0"/>
+              <a:rPr lang="en-US"/>
               <a:t>Click to edit Master title style</a:t>
             </a:r>
-            <a:endParaRPr lang="en-US"/>
           </a:p>
         </p:txBody>
       </p:sp>
@@ -2283,7 +2269,7 @@
           <a:p>
             <a:pPr lvl="0"/>
             <a:r>
-              <a:rPr lang="en-US" smtClean="0"/>
+              <a:rPr lang="en-US"/>
               <a:t>Click to edit Master text styles</a:t>
             </a:r>
           </a:p>
@@ -2339,38 +2325,37 @@
           <a:p>
             <a:pPr lvl="0"/>
             <a:r>
-              <a:rPr lang="en-US" smtClean="0"/>
+              <a:rPr lang="en-US"/>
               <a:t>Click to edit Master text styles</a:t>
             </a:r>
           </a:p>
           <a:p>
             <a:pPr lvl="1"/>
             <a:r>
-              <a:rPr lang="en-US" smtClean="0"/>
+              <a:rPr lang="en-US"/>
               <a:t>Second level</a:t>
             </a:r>
           </a:p>
           <a:p>
             <a:pPr lvl="2"/>
             <a:r>
-              <a:rPr lang="en-US" smtClean="0"/>
+              <a:rPr lang="en-US"/>
               <a:t>Third level</a:t>
             </a:r>
           </a:p>
           <a:p>
             <a:pPr lvl="3"/>
             <a:r>
-              <a:rPr lang="en-US" smtClean="0"/>
+              <a:rPr lang="en-US"/>
               <a:t>Fourth level</a:t>
             </a:r>
           </a:p>
           <a:p>
             <a:pPr lvl="4"/>
             <a:r>
-              <a:rPr lang="en-US" smtClean="0"/>
+              <a:rPr lang="en-US"/>
               <a:t>Fifth level</a:t>
             </a:r>
-            <a:endParaRPr lang="en-US"/>
           </a:p>
         </p:txBody>
       </p:sp>
@@ -2433,7 +2418,7 @@
           <a:p>
             <a:pPr lvl="0"/>
             <a:r>
-              <a:rPr lang="en-US" smtClean="0"/>
+              <a:rPr lang="en-US"/>
               <a:t>Click to edit Master text styles</a:t>
             </a:r>
           </a:p>
@@ -2489,38 +2474,37 @@
           <a:p>
             <a:pPr lvl="0"/>
             <a:r>
-              <a:rPr lang="en-US" smtClean="0"/>
+              <a:rPr lang="en-US"/>
               <a:t>Click to edit Master text styles</a:t>
             </a:r>
           </a:p>
           <a:p>
             <a:pPr lvl="1"/>
             <a:r>
-              <a:rPr lang="en-US" smtClean="0"/>
+              <a:rPr lang="en-US"/>
               <a:t>Second level</a:t>
             </a:r>
           </a:p>
           <a:p>
             <a:pPr lvl="2"/>
             <a:r>
-              <a:rPr lang="en-US" smtClean="0"/>
+              <a:rPr lang="en-US"/>
               <a:t>Third level</a:t>
             </a:r>
           </a:p>
           <a:p>
             <a:pPr lvl="3"/>
             <a:r>
-              <a:rPr lang="en-US" smtClean="0"/>
+              <a:rPr lang="en-US"/>
               <a:t>Fourth level</a:t>
             </a:r>
           </a:p>
           <a:p>
             <a:pPr lvl="4"/>
             <a:r>
-              <a:rPr lang="en-US" smtClean="0"/>
+              <a:rPr lang="en-US"/>
               <a:t>Fifth level</a:t>
             </a:r>
-            <a:endParaRPr lang="en-US"/>
           </a:p>
         </p:txBody>
       </p:sp>
@@ -2542,7 +2526,7 @@
             <a:fld id="{1D8BD707-D9CF-40AE-B4C6-C98DA3205C09}" type="datetimeFigureOut">
               <a:rPr lang="en-US" smtClean="0"/>
               <a:pPr/>
-              <a:t>12/19/2020</a:t>
+              <a:t>5/30/2023</a:t>
             </a:fld>
             <a:endParaRPr lang="en-US"/>
           </a:p>
@@ -2632,10 +2616,9 @@
           <a:lstStyle/>
           <a:p>
             <a:r>
-              <a:rPr lang="en-US" smtClean="0"/>
+              <a:rPr lang="en-US"/>
               <a:t>Click to edit Master title style</a:t>
             </a:r>
-            <a:endParaRPr lang="en-US"/>
           </a:p>
         </p:txBody>
       </p:sp>
@@ -2657,7 +2640,7 @@
             <a:fld id="{1D8BD707-D9CF-40AE-B4C6-C98DA3205C09}" type="datetimeFigureOut">
               <a:rPr lang="en-US" smtClean="0"/>
               <a:pPr/>
-              <a:t>12/19/2020</a:t>
+              <a:t>5/30/2023</a:t>
             </a:fld>
             <a:endParaRPr lang="en-US"/>
           </a:p>
@@ -2749,7 +2732,7 @@
             <a:fld id="{1D8BD707-D9CF-40AE-B4C6-C98DA3205C09}" type="datetimeFigureOut">
               <a:rPr lang="en-US" smtClean="0"/>
               <a:pPr/>
-              <a:t>12/19/2020</a:t>
+              <a:t>5/30/2023</a:t>
             </a:fld>
             <a:endParaRPr lang="en-US"/>
           </a:p>
@@ -2848,10 +2831,9 @@
           </a:lstStyle>
           <a:p>
             <a:r>
-              <a:rPr lang="en-US" smtClean="0"/>
+              <a:rPr lang="en-US"/>
               <a:t>Click to edit Master title style</a:t>
             </a:r>
-            <a:endParaRPr lang="en-US"/>
           </a:p>
         </p:txBody>
       </p:sp>
@@ -2905,38 +2887,37 @@
           <a:p>
             <a:pPr lvl="0"/>
             <a:r>
-              <a:rPr lang="en-US" smtClean="0"/>
+              <a:rPr lang="en-US"/>
               <a:t>Click to edit Master text styles</a:t>
             </a:r>
           </a:p>
           <a:p>
             <a:pPr lvl="1"/>
             <a:r>
-              <a:rPr lang="en-US" smtClean="0"/>
+              <a:rPr lang="en-US"/>
               <a:t>Second level</a:t>
             </a:r>
           </a:p>
           <a:p>
             <a:pPr lvl="2"/>
             <a:r>
-              <a:rPr lang="en-US" smtClean="0"/>
+              <a:rPr lang="en-US"/>
               <a:t>Third level</a:t>
             </a:r>
           </a:p>
           <a:p>
             <a:pPr lvl="3"/>
             <a:r>
-              <a:rPr lang="en-US" smtClean="0"/>
+              <a:rPr lang="en-US"/>
               <a:t>Fourth level</a:t>
             </a:r>
           </a:p>
           <a:p>
             <a:pPr lvl="4"/>
             <a:r>
-              <a:rPr lang="en-US" smtClean="0"/>
+              <a:rPr lang="en-US"/>
               <a:t>Fifth level</a:t>
             </a:r>
-            <a:endParaRPr lang="en-US"/>
           </a:p>
         </p:txBody>
       </p:sp>
@@ -2999,7 +2980,7 @@
           <a:p>
             <a:pPr lvl="0"/>
             <a:r>
-              <a:rPr lang="en-US" smtClean="0"/>
+              <a:rPr lang="en-US"/>
               <a:t>Click to edit Master text styles</a:t>
             </a:r>
           </a:p>
@@ -3023,7 +3004,7 @@
             <a:fld id="{1D8BD707-D9CF-40AE-B4C6-C98DA3205C09}" type="datetimeFigureOut">
               <a:rPr lang="en-US" smtClean="0"/>
               <a:pPr/>
-              <a:t>12/19/2020</a:t>
+              <a:t>5/30/2023</a:t>
             </a:fld>
             <a:endParaRPr lang="en-US"/>
           </a:p>
@@ -3122,10 +3103,9 @@
           </a:lstStyle>
           <a:p>
             <a:r>
-              <a:rPr lang="en-US" smtClean="0"/>
+              <a:rPr lang="en-US"/>
               <a:t>Click to edit Master title style</a:t>
             </a:r>
-            <a:endParaRPr lang="en-US"/>
           </a:p>
         </p:txBody>
       </p:sp>
@@ -3249,7 +3229,7 @@
           <a:p>
             <a:pPr lvl="0"/>
             <a:r>
-              <a:rPr lang="en-US" smtClean="0"/>
+              <a:rPr lang="en-US"/>
               <a:t>Click to edit Master text styles</a:t>
             </a:r>
           </a:p>
@@ -3273,7 +3253,7 @@
             <a:fld id="{1D8BD707-D9CF-40AE-B4C6-C98DA3205C09}" type="datetimeFigureOut">
               <a:rPr lang="en-US" smtClean="0"/>
               <a:pPr/>
-              <a:t>12/19/2020</a:t>
+              <a:t>5/30/2023</a:t>
             </a:fld>
             <a:endParaRPr lang="en-US"/>
           </a:p>
@@ -3378,10 +3358,9 @@
           <a:lstStyle/>
           <a:p>
             <a:r>
-              <a:rPr lang="en-US" smtClean="0"/>
+              <a:rPr lang="en-US"/>
               <a:t>Click to edit Master title style</a:t>
             </a:r>
-            <a:endParaRPr lang="en-US"/>
           </a:p>
         </p:txBody>
       </p:sp>
@@ -3412,38 +3391,37 @@
           <a:p>
             <a:pPr lvl="0"/>
             <a:r>
-              <a:rPr lang="en-US" smtClean="0"/>
+              <a:rPr lang="en-US"/>
               <a:t>Click to edit Master text styles</a:t>
             </a:r>
           </a:p>
           <a:p>
             <a:pPr lvl="1"/>
             <a:r>
-              <a:rPr lang="en-US" smtClean="0"/>
+              <a:rPr lang="en-US"/>
               <a:t>Second level</a:t>
             </a:r>
           </a:p>
           <a:p>
             <a:pPr lvl="2"/>
             <a:r>
-              <a:rPr lang="en-US" smtClean="0"/>
+              <a:rPr lang="en-US"/>
               <a:t>Third level</a:t>
             </a:r>
           </a:p>
           <a:p>
             <a:pPr lvl="3"/>
             <a:r>
-              <a:rPr lang="en-US" smtClean="0"/>
+              <a:rPr lang="en-US"/>
               <a:t>Fourth level</a:t>
             </a:r>
           </a:p>
           <a:p>
             <a:pPr lvl="4"/>
             <a:r>
-              <a:rPr lang="en-US" smtClean="0"/>
+              <a:rPr lang="en-US"/>
               <a:t>Fifth level</a:t>
             </a:r>
-            <a:endParaRPr lang="en-US"/>
           </a:p>
         </p:txBody>
       </p:sp>
@@ -3483,7 +3461,7 @@
             <a:fld id="{1D8BD707-D9CF-40AE-B4C6-C98DA3205C09}" type="datetimeFigureOut">
               <a:rPr lang="en-US" smtClean="0"/>
               <a:pPr/>
-              <a:t>12/19/2020</a:t>
+              <a:t>5/30/2023</a:t>
             </a:fld>
             <a:endParaRPr lang="en-US"/>
           </a:p>
@@ -3870,14 +3848,13 @@
           <a:lstStyle/>
           <a:p>
             <a:r>
-              <a:rPr lang="en-US" dirty="0" err="1" smtClean="0"/>
+              <a:rPr lang="en-US" dirty="0" err="1"/>
               <a:t>xEyes</a:t>
             </a:r>
             <a:r>
-              <a:rPr lang="en-US" dirty="0" smtClean="0"/>
+              <a:rPr lang="en-US" dirty="0"/>
               <a:t>  Block Diagrams</a:t>
             </a:r>
-            <a:endParaRPr lang="en-US" dirty="0"/>
           </a:p>
         </p:txBody>
       </p:sp>
@@ -3897,19 +3874,18 @@
           <a:lstStyle/>
           <a:p>
             <a:r>
-              <a:rPr lang="en-US" dirty="0" smtClean="0">
+              <a:rPr lang="en-US" dirty="0">
                 <a:hlinkClick r:id="rId2"/>
               </a:rPr>
               <a:t>swu@xEyes.com</a:t>
             </a:r>
-            <a:endParaRPr lang="en-US" dirty="0" smtClean="0"/>
-          </a:p>
-          <a:p>
-            <a:r>
-              <a:rPr lang="en-US" dirty="0" smtClean="0"/>
+            <a:endParaRPr lang="en-US" dirty="0"/>
+          </a:p>
+          <a:p>
+            <a:r>
+              <a:rPr lang="en-US" dirty="0"/>
               <a:t>9/26/2019</a:t>
             </a:r>
-            <a:endParaRPr lang="en-US" dirty="0"/>
           </a:p>
         </p:txBody>
       </p:sp>
@@ -3967,10 +3943,9 @@
           <a:p>
             <a:pPr algn="l"/>
             <a:r>
-              <a:rPr lang="en-US" dirty="0" smtClean="0"/>
+              <a:rPr lang="en-US" dirty="0"/>
               <a:t>Overview</a:t>
             </a:r>
-            <a:endParaRPr lang="en-US" dirty="0"/>
           </a:p>
         </p:txBody>
       </p:sp>
@@ -4017,7 +3992,7 @@
           <a:p>
             <a:pPr algn="ctr"/>
             <a:r>
-              <a:rPr lang="en-US" dirty="0" smtClean="0">
+              <a:rPr lang="en-US" dirty="0">
                 <a:solidFill>
                   <a:schemeClr val="tx1"/>
                 </a:solidFill>
@@ -4028,7 +4003,7 @@
           <a:p>
             <a:pPr algn="ctr"/>
             <a:r>
-              <a:rPr lang="en-US" dirty="0" smtClean="0">
+              <a:rPr lang="en-US" dirty="0">
                 <a:solidFill>
                   <a:schemeClr val="tx1"/>
                 </a:solidFill>
@@ -4039,18 +4014,13 @@
           <a:p>
             <a:pPr algn="ctr"/>
             <a:r>
-              <a:rPr lang="en-US" dirty="0" smtClean="0">
+              <a:rPr lang="en-US" dirty="0">
                 <a:solidFill>
                   <a:schemeClr val="tx1"/>
                 </a:solidFill>
               </a:rPr>
               <a:t>Switch</a:t>
             </a:r>
-            <a:endParaRPr lang="en-US" dirty="0">
-              <a:solidFill>
-                <a:schemeClr val="tx1"/>
-              </a:solidFill>
-            </a:endParaRPr>
           </a:p>
         </p:txBody>
       </p:sp>
@@ -4125,18 +4095,13 @@
               <a:p>
                 <a:pPr algn="ctr"/>
                 <a:r>
-                  <a:rPr lang="en-US" sz="2000" dirty="0" smtClean="0">
+                  <a:rPr lang="en-US" sz="2000" dirty="0">
                     <a:solidFill>
                       <a:schemeClr val="tx1"/>
                     </a:solidFill>
                   </a:rPr>
                   <a:t>1</a:t>
                 </a:r>
-                <a:endParaRPr lang="en-US" sz="2000" dirty="0">
-                  <a:solidFill>
-                    <a:schemeClr val="tx1"/>
-                  </a:solidFill>
-                </a:endParaRPr>
               </a:p>
             </p:txBody>
           </p:sp>
@@ -4251,19 +4216,14 @@
             <a:p>
               <a:r>
                 <a:rPr lang="en-US" dirty="0"/>
-                <a:t>w</a:t>
-              </a:r>
-              <a:r>
-                <a:rPr lang="en-US" dirty="0" smtClean="0"/>
-                <a:t>ired or</a:t>
+                <a:t>wired or</a:t>
               </a:r>
             </a:p>
             <a:p>
               <a:r>
-                <a:rPr lang="en-US" dirty="0" smtClean="0"/>
+                <a:rPr lang="en-US" dirty="0"/>
                 <a:t>wireless</a:t>
               </a:r>
-              <a:endParaRPr lang="en-US" dirty="0"/>
             </a:p>
           </p:txBody>
         </p:sp>
@@ -4339,18 +4299,13 @@
               <a:p>
                 <a:pPr algn="ctr"/>
                 <a:r>
-                  <a:rPr lang="en-US" sz="2000" dirty="0" smtClean="0">
+                  <a:rPr lang="en-US" sz="2000" dirty="0">
                     <a:solidFill>
                       <a:schemeClr val="tx1"/>
                     </a:solidFill>
                   </a:rPr>
                   <a:t>2</a:t>
                 </a:r>
-                <a:endParaRPr lang="en-US" sz="2000" dirty="0">
-                  <a:solidFill>
-                    <a:schemeClr val="tx1"/>
-                  </a:solidFill>
-                </a:endParaRPr>
               </a:p>
             </p:txBody>
           </p:sp>
@@ -4462,19 +4417,14 @@
             <a:p>
               <a:r>
                 <a:rPr lang="en-US" dirty="0"/>
-                <a:t>w</a:t>
-              </a:r>
-              <a:r>
-                <a:rPr lang="en-US" dirty="0" smtClean="0"/>
-                <a:t>ired or</a:t>
+                <a:t>wired or</a:t>
               </a:r>
             </a:p>
             <a:p>
               <a:r>
-                <a:rPr lang="en-US" dirty="0" smtClean="0"/>
+                <a:rPr lang="en-US" dirty="0"/>
                 <a:t>wireless</a:t>
               </a:r>
-              <a:endParaRPr lang="en-US" dirty="0"/>
             </a:p>
           </p:txBody>
         </p:sp>
@@ -4668,19 +4618,14 @@
             <a:p>
               <a:r>
                 <a:rPr lang="en-US" dirty="0"/>
-                <a:t>w</a:t>
-              </a:r>
-              <a:r>
-                <a:rPr lang="en-US" dirty="0" smtClean="0"/>
-                <a:t>ired or</a:t>
+                <a:t>wired or</a:t>
               </a:r>
             </a:p>
             <a:p>
               <a:r>
-                <a:rPr lang="en-US" dirty="0" smtClean="0"/>
+                <a:rPr lang="en-US" dirty="0"/>
                 <a:t>wireless</a:t>
               </a:r>
-              <a:endParaRPr lang="en-US" dirty="0"/>
             </a:p>
           </p:txBody>
         </p:sp>
@@ -4728,7 +4673,7 @@
           <a:p>
             <a:pPr algn="ctr"/>
             <a:r>
-              <a:rPr lang="en-US" dirty="0" smtClean="0">
+              <a:rPr lang="en-US" dirty="0">
                 <a:solidFill>
                   <a:schemeClr val="tx1"/>
                 </a:solidFill>
@@ -4739,18 +4684,13 @@
           <a:p>
             <a:pPr algn="ctr"/>
             <a:r>
-              <a:rPr lang="en-US" dirty="0" smtClean="0">
+              <a:rPr lang="en-US" dirty="0">
                 <a:solidFill>
                   <a:schemeClr val="tx1"/>
                 </a:solidFill>
               </a:rPr>
               <a:t>(processing)</a:t>
             </a:r>
-            <a:endParaRPr lang="en-US" dirty="0">
-              <a:solidFill>
-                <a:schemeClr val="tx1"/>
-              </a:solidFill>
-            </a:endParaRPr>
           </a:p>
         </p:txBody>
       </p:sp>
@@ -4797,7 +4737,7 @@
           <a:p>
             <a:pPr algn="ctr"/>
             <a:r>
-              <a:rPr lang="en-US" dirty="0" smtClean="0">
+              <a:rPr lang="en-US" dirty="0">
                 <a:solidFill>
                   <a:schemeClr val="tx1"/>
                 </a:solidFill>
@@ -4808,7 +4748,7 @@
           <a:p>
             <a:pPr algn="ctr"/>
             <a:r>
-              <a:rPr lang="en-US" dirty="0" smtClean="0">
+              <a:rPr lang="en-US" dirty="0">
                 <a:solidFill>
                   <a:schemeClr val="tx1"/>
                 </a:solidFill>
@@ -4819,18 +4759,13 @@
           <a:p>
             <a:pPr algn="ctr"/>
             <a:r>
-              <a:rPr lang="en-US" dirty="0" smtClean="0">
+              <a:rPr lang="en-US" dirty="0">
                 <a:solidFill>
                   <a:schemeClr val="tx1"/>
                 </a:solidFill>
               </a:rPr>
               <a:t>Switch</a:t>
             </a:r>
-            <a:endParaRPr lang="en-US" dirty="0">
-              <a:solidFill>
-                <a:schemeClr val="tx1"/>
-              </a:solidFill>
-            </a:endParaRPr>
           </a:p>
         </p:txBody>
       </p:sp>
@@ -4877,7 +4812,7 @@
           <a:p>
             <a:pPr algn="ctr"/>
             <a:r>
-              <a:rPr lang="en-US" dirty="0" smtClean="0">
+              <a:rPr lang="en-US" dirty="0">
                 <a:solidFill>
                   <a:schemeClr val="tx1"/>
                 </a:solidFill>
@@ -4888,18 +4823,13 @@
           <a:p>
             <a:pPr algn="ctr"/>
             <a:r>
-              <a:rPr lang="en-US" dirty="0" smtClean="0">
+              <a:rPr lang="en-US" dirty="0">
                 <a:solidFill>
                   <a:schemeClr val="tx1"/>
                 </a:solidFill>
               </a:rPr>
               <a:t>view</a:t>
             </a:r>
-            <a:endParaRPr lang="en-US" dirty="0">
-              <a:solidFill>
-                <a:schemeClr val="tx1"/>
-              </a:solidFill>
-            </a:endParaRPr>
           </a:p>
         </p:txBody>
       </p:sp>
@@ -4950,7 +4880,7 @@
               </a:lnSpc>
             </a:pPr>
             <a:r>
-              <a:rPr lang="en-US" dirty="0" smtClean="0">
+              <a:rPr lang="en-US" dirty="0">
                 <a:solidFill>
                   <a:schemeClr val="tx1"/>
                 </a:solidFill>
@@ -4965,18 +4895,13 @@
               </a:lnSpc>
             </a:pPr>
             <a:r>
-              <a:rPr lang="en-US" dirty="0" smtClean="0">
+              <a:rPr lang="en-US" dirty="0">
                 <a:solidFill>
                   <a:schemeClr val="tx1"/>
                 </a:solidFill>
               </a:rPr>
               <a:t>storage</a:t>
             </a:r>
-            <a:endParaRPr lang="en-US" dirty="0">
-              <a:solidFill>
-                <a:schemeClr val="tx1"/>
-              </a:solidFill>
-            </a:endParaRPr>
           </a:p>
         </p:txBody>
       </p:sp>
@@ -5178,7 +5103,7 @@
                 <a:spcPts val="1500"/>
               </a:lnSpc>
             </a:pPr>
-            <a:endParaRPr lang="en-US" dirty="0" smtClean="0">
+            <a:endParaRPr lang="en-US" dirty="0">
               <a:solidFill>
                 <a:schemeClr val="tx1"/>
               </a:solidFill>
@@ -5191,7 +5116,7 @@
               </a:lnSpc>
             </a:pPr>
             <a:r>
-              <a:rPr lang="en-US" dirty="0" smtClean="0">
+              <a:rPr lang="en-US" dirty="0">
                 <a:solidFill>
                   <a:schemeClr val="tx1"/>
                 </a:solidFill>
@@ -5206,18 +5131,13 @@
               </a:lnSpc>
             </a:pPr>
             <a:r>
-              <a:rPr lang="en-US" dirty="0" smtClean="0">
+              <a:rPr lang="en-US" dirty="0">
                 <a:solidFill>
                   <a:schemeClr val="tx1"/>
                 </a:solidFill>
               </a:rPr>
               <a:t>storage</a:t>
             </a:r>
-            <a:endParaRPr lang="en-US" dirty="0">
-              <a:solidFill>
-                <a:schemeClr val="tx1"/>
-              </a:solidFill>
-            </a:endParaRPr>
           </a:p>
         </p:txBody>
       </p:sp>
@@ -5614,7 +5534,7 @@
               </a:lnSpc>
             </a:pPr>
             <a:r>
-              <a:rPr lang="en-US" dirty="0" smtClean="0">
+              <a:rPr lang="en-US" dirty="0">
                 <a:solidFill>
                   <a:schemeClr val="tx1"/>
                 </a:solidFill>
@@ -5634,15 +5554,7 @@
                   <a:schemeClr val="tx1"/>
                 </a:solidFill>
               </a:rPr>
-              <a:t>s</a:t>
-            </a:r>
-            <a:r>
-              <a:rPr lang="en-US" dirty="0" smtClean="0">
-                <a:solidFill>
-                  <a:schemeClr val="tx1"/>
-                </a:solidFill>
-              </a:rPr>
-              <a:t>earch</a:t>
+              <a:t>search</a:t>
             </a:r>
           </a:p>
           <a:p>
@@ -5652,18 +5564,13 @@
               </a:lnSpc>
             </a:pPr>
             <a:r>
-              <a:rPr lang="en-US" dirty="0" smtClean="0">
+              <a:rPr lang="en-US" dirty="0">
                 <a:solidFill>
                   <a:schemeClr val="tx1"/>
                 </a:solidFill>
               </a:rPr>
               <a:t>&amp; view</a:t>
             </a:r>
-            <a:endParaRPr lang="en-US" dirty="0">
-              <a:solidFill>
-                <a:schemeClr val="tx1"/>
-              </a:solidFill>
-            </a:endParaRPr>
           </a:p>
         </p:txBody>
       </p:sp>
@@ -5729,18 +5636,9 @@
           <a:lstStyle/>
           <a:p>
             <a:r>
-              <a:rPr lang="en-US" dirty="0" smtClean="0"/>
-              <a:t>Remote </a:t>
-            </a:r>
-            <a:r>
               <a:rPr lang="en-US" dirty="0"/>
-              <a:t> </a:t>
-            </a:r>
-            <a:r>
-              <a:rPr lang="en-US" dirty="0" smtClean="0"/>
-              <a:t>image/video view &amp; alarm message</a:t>
-            </a:r>
-            <a:endParaRPr lang="en-US" dirty="0"/>
+              <a:t>Remote  image/video view &amp; alarm message</a:t>
+            </a:r>
           </a:p>
         </p:txBody>
       </p:sp>
@@ -5798,10 +5696,9 @@
           <a:p>
             <a:pPr algn="l"/>
             <a:r>
-              <a:rPr lang="en-US" dirty="0" smtClean="0"/>
+              <a:rPr lang="en-US" dirty="0"/>
               <a:t>Capture Agent</a:t>
             </a:r>
-            <a:endParaRPr lang="en-US" dirty="0"/>
           </a:p>
         </p:txBody>
       </p:sp>
@@ -5848,7 +5745,7 @@
           <a:p>
             <a:pPr algn="ctr"/>
             <a:r>
-              <a:rPr lang="en-US" dirty="0" err="1" smtClean="0">
+              <a:rPr lang="en-US" dirty="0" err="1">
                 <a:solidFill>
                   <a:schemeClr val="tx1"/>
                 </a:solidFill>
@@ -5856,26 +5753,13 @@
               <a:t>DeMuxer</a:t>
             </a:r>
             <a:r>
-              <a:rPr lang="en-US" dirty="0" smtClean="0">
+              <a:rPr lang="en-US" dirty="0">
                 <a:solidFill>
                   <a:schemeClr val="tx1"/>
                 </a:solidFill>
               </a:rPr>
-              <a:t> </a:t>
-            </a:r>
-            <a:r>
-              <a:rPr lang="en-US" dirty="0" smtClean="0">
-                <a:solidFill>
-                  <a:schemeClr val="tx1"/>
-                </a:solidFill>
-              </a:rPr>
-              <a:t>&amp;Decoder</a:t>
-            </a:r>
-            <a:endParaRPr lang="en-US" dirty="0">
-              <a:solidFill>
-                <a:schemeClr val="tx1"/>
-              </a:solidFill>
-            </a:endParaRPr>
+              <a:t> &amp;Decoder</a:t>
+            </a:r>
           </a:p>
         </p:txBody>
       </p:sp>
@@ -5922,18 +5806,13 @@
           <a:p>
             <a:pPr algn="ctr"/>
             <a:r>
-              <a:rPr lang="en-US" dirty="0" smtClean="0">
+              <a:rPr lang="en-US" dirty="0">
                 <a:solidFill>
                   <a:schemeClr val="tx1"/>
                 </a:solidFill>
               </a:rPr>
               <a:t>Audio</a:t>
             </a:r>
-            <a:endParaRPr lang="en-US" dirty="0">
-              <a:solidFill>
-                <a:schemeClr val="tx1"/>
-              </a:solidFill>
-            </a:endParaRPr>
           </a:p>
         </p:txBody>
       </p:sp>
@@ -5984,7 +5863,7 @@
               </a:lnSpc>
             </a:pPr>
             <a:r>
-              <a:rPr lang="en-US" dirty="0" smtClean="0">
+              <a:rPr lang="en-US" dirty="0">
                 <a:solidFill>
                   <a:schemeClr val="tx1"/>
                 </a:solidFill>
@@ -5999,7 +5878,7 @@
               </a:lnSpc>
             </a:pPr>
             <a:r>
-              <a:rPr lang="en-US" dirty="0" smtClean="0">
+              <a:rPr lang="en-US" dirty="0">
                 <a:solidFill>
                   <a:schemeClr val="tx1"/>
                 </a:solidFill>
@@ -6007,7 +5886,7 @@
               <a:t>Storage </a:t>
             </a:r>
             <a:r>
-              <a:rPr lang="en-US" dirty="0" err="1" smtClean="0">
+              <a:rPr lang="en-US" dirty="0" err="1">
                 <a:solidFill>
                   <a:schemeClr val="tx1"/>
                 </a:solidFill>
@@ -6015,18 +5894,13 @@
               <a:t>Mgr</a:t>
             </a:r>
             <a:r>
-              <a:rPr lang="en-US" dirty="0" smtClean="0">
+              <a:rPr lang="en-US" dirty="0">
                 <a:solidFill>
                   <a:schemeClr val="tx1"/>
                 </a:solidFill>
               </a:rPr>
               <a:t> </a:t>
             </a:r>
-            <a:endParaRPr lang="en-US" dirty="0">
-              <a:solidFill>
-                <a:schemeClr val="tx1"/>
-              </a:solidFill>
-            </a:endParaRPr>
           </a:p>
         </p:txBody>
       </p:sp>
@@ -6078,21 +5952,8 @@
                   <a:schemeClr val="tx1"/>
                 </a:solidFill>
               </a:rPr>
-              <a:t>S</a:t>
-            </a:r>
-            <a:r>
-              <a:rPr lang="en-US" dirty="0" smtClean="0">
-                <a:solidFill>
-                  <a:schemeClr val="tx1"/>
-                </a:solidFill>
-              </a:rPr>
-              <a:t>cale</a:t>
-            </a:r>
-            <a:endParaRPr lang="en-US" dirty="0">
-              <a:solidFill>
-                <a:schemeClr val="tx1"/>
-              </a:solidFill>
-            </a:endParaRPr>
+              <a:t>Scale</a:t>
+            </a:r>
           </a:p>
         </p:txBody>
       </p:sp>
@@ -6144,21 +6005,8 @@
                   <a:schemeClr val="tx1"/>
                 </a:solidFill>
               </a:rPr>
-              <a:t>C</a:t>
-            </a:r>
-            <a:r>
-              <a:rPr lang="en-US" dirty="0" smtClean="0">
-                <a:solidFill>
-                  <a:schemeClr val="tx1"/>
-                </a:solidFill>
-              </a:rPr>
-              <a:t>onvert</a:t>
-            </a:r>
-            <a:endParaRPr lang="en-US" dirty="0">
-              <a:solidFill>
-                <a:schemeClr val="tx1"/>
-              </a:solidFill>
-            </a:endParaRPr>
+              <a:t>Convert</a:t>
+            </a:r>
           </a:p>
         </p:txBody>
       </p:sp>
@@ -6267,10 +6115,9 @@
           <a:lstStyle/>
           <a:p>
             <a:r>
-              <a:rPr lang="en-US" dirty="0" smtClean="0"/>
+              <a:rPr lang="en-US" dirty="0"/>
               <a:t>YUV</a:t>
             </a:r>
-            <a:endParaRPr lang="en-US" dirty="0"/>
           </a:p>
         </p:txBody>
       </p:sp>
@@ -6297,10 +6144,9 @@
           <a:lstStyle/>
           <a:p>
             <a:r>
-              <a:rPr lang="en-US" dirty="0" smtClean="0"/>
+              <a:rPr lang="en-US" dirty="0"/>
               <a:t>YUV</a:t>
             </a:r>
-            <a:endParaRPr lang="en-US" dirty="0"/>
           </a:p>
         </p:txBody>
       </p:sp>
@@ -6416,10 +6262,9 @@
           <a:lstStyle/>
           <a:p>
             <a:r>
-              <a:rPr lang="en-US" dirty="0" smtClean="0"/>
+              <a:rPr lang="en-US" dirty="0"/>
               <a:t>RGB</a:t>
             </a:r>
-            <a:endParaRPr lang="en-US" dirty="0"/>
           </a:p>
         </p:txBody>
       </p:sp>
@@ -6650,24 +6495,23 @@
           <a:lstStyle/>
           <a:p>
             <a:r>
-              <a:rPr lang="en-US" dirty="0" smtClean="0"/>
+              <a:rPr lang="en-US" dirty="0"/>
               <a:t>RGB </a:t>
             </a:r>
             <a:r>
-              <a:rPr lang="en-US" dirty="0" err="1" smtClean="0"/>
+              <a:rPr lang="en-US" dirty="0" err="1"/>
               <a:t>Frm</a:t>
             </a:r>
             <a:r>
-              <a:rPr lang="en-US" dirty="0" smtClean="0"/>
+              <a:rPr lang="en-US" dirty="0"/>
               <a:t> Q</a:t>
             </a:r>
           </a:p>
           <a:p>
             <a:r>
-              <a:rPr lang="en-US" dirty="0" smtClean="0"/>
+              <a:rPr lang="en-US" dirty="0"/>
               <a:t>    (shared)</a:t>
             </a:r>
-            <a:endParaRPr lang="en-US" dirty="0"/>
           </a:p>
         </p:txBody>
       </p:sp>
@@ -6971,35 +6815,22 @@
           <a:p>
             <a:r>
               <a:rPr lang="en-US" dirty="0"/>
-              <a:t>A</a:t>
-            </a:r>
-            <a:r>
-              <a:rPr lang="en-US" dirty="0" smtClean="0"/>
-              <a:t>udio </a:t>
-            </a:r>
-            <a:r>
-              <a:rPr lang="en-US" dirty="0" err="1" smtClean="0"/>
+              <a:t>Audio </a:t>
+            </a:r>
+            <a:r>
+              <a:rPr lang="en-US" dirty="0" err="1"/>
               <a:t>Frm</a:t>
             </a:r>
             <a:r>
-              <a:rPr lang="en-US" dirty="0" smtClean="0"/>
+              <a:rPr lang="en-US" dirty="0"/>
               <a:t> Q</a:t>
             </a:r>
           </a:p>
           <a:p>
             <a:r>
-              <a:rPr lang="en-US" dirty="0" smtClean="0"/>
-              <a:t>    (</a:t>
-            </a:r>
-            <a:r>
               <a:rPr lang="en-US" dirty="0"/>
-              <a:t>s</a:t>
-            </a:r>
-            <a:r>
-              <a:rPr lang="en-US" dirty="0" smtClean="0"/>
-              <a:t>hared)</a:t>
-            </a:r>
-            <a:endParaRPr lang="en-US" dirty="0"/>
+              <a:t>    (shared)</a:t>
+            </a:r>
           </a:p>
         </p:txBody>
       </p:sp>
@@ -7068,10 +6899,9 @@
               <a:buChar char="•"/>
             </a:pPr>
             <a:r>
-              <a:rPr lang="en-US" dirty="0" smtClean="0"/>
+              <a:rPr lang="en-US" dirty="0"/>
               <a:t>Capture Object</a:t>
             </a:r>
-            <a:endParaRPr lang="en-US" dirty="0"/>
           </a:p>
         </p:txBody>
       </p:sp>
@@ -7103,13 +6933,8 @@
             </a:pPr>
             <a:r>
               <a:rPr lang="en-US" dirty="0"/>
-              <a:t>O</a:t>
-            </a:r>
-            <a:r>
-              <a:rPr lang="en-US" dirty="0" smtClean="0"/>
-              <a:t>verview</a:t>
-            </a:r>
-            <a:endParaRPr lang="en-US" dirty="0"/>
+              <a:t>Overview</a:t>
+            </a:r>
           </a:p>
         </p:txBody>
       </p:sp>
@@ -7160,18 +6985,13 @@
               </a:lnSpc>
             </a:pPr>
             <a:r>
-              <a:rPr lang="en-US" dirty="0" smtClean="0">
+              <a:rPr lang="en-US" dirty="0">
                 <a:solidFill>
                   <a:schemeClr val="tx1"/>
                 </a:solidFill>
               </a:rPr>
               <a:t>File name service thread</a:t>
             </a:r>
-            <a:endParaRPr lang="en-US" dirty="0">
-              <a:solidFill>
-                <a:schemeClr val="tx1"/>
-              </a:solidFill>
-            </a:endParaRPr>
           </a:p>
         </p:txBody>
       </p:sp>
@@ -7218,18 +7038,13 @@
           <a:p>
             <a:pPr algn="ctr"/>
             <a:r>
-              <a:rPr lang="en-US" dirty="0" smtClean="0">
+              <a:rPr lang="en-US" dirty="0">
                 <a:solidFill>
                   <a:schemeClr val="tx1"/>
                 </a:solidFill>
               </a:rPr>
               <a:t>Capture Thread 1</a:t>
             </a:r>
-            <a:endParaRPr lang="en-US" dirty="0">
-              <a:solidFill>
-                <a:schemeClr val="tx1"/>
-              </a:solidFill>
-            </a:endParaRPr>
           </a:p>
         </p:txBody>
       </p:sp>
@@ -7276,18 +7091,13 @@
           <a:p>
             <a:pPr algn="ctr"/>
             <a:r>
-              <a:rPr lang="en-US" dirty="0" smtClean="0">
+              <a:rPr lang="en-US" dirty="0">
                 <a:solidFill>
                   <a:schemeClr val="tx1"/>
                 </a:solidFill>
               </a:rPr>
               <a:t>Capture Thread n</a:t>
             </a:r>
-            <a:endParaRPr lang="en-US" dirty="0">
-              <a:solidFill>
-                <a:schemeClr val="tx1"/>
-              </a:solidFill>
-            </a:endParaRPr>
           </a:p>
         </p:txBody>
       </p:sp>
@@ -7314,10 +7124,9 @@
           <a:lstStyle/>
           <a:p>
             <a:r>
-              <a:rPr lang="en-US" dirty="0" smtClean="0"/>
+              <a:rPr lang="en-US" dirty="0"/>
               <a:t>Capture Agent</a:t>
             </a:r>
-            <a:endParaRPr lang="en-US" dirty="0"/>
           </a:p>
         </p:txBody>
       </p:sp>
@@ -7461,10 +7270,9 @@
           <a:lstStyle/>
           <a:p>
             <a:r>
-              <a:rPr lang="en-US" sz="3200" dirty="0" smtClean="0"/>
+              <a:rPr lang="en-US" sz="3200" dirty="0"/>
               <a:t>…</a:t>
             </a:r>
-            <a:endParaRPr lang="en-US" sz="3200" dirty="0"/>
           </a:p>
         </p:txBody>
       </p:sp>
@@ -7491,10 +7299,9 @@
           <a:lstStyle/>
           <a:p>
             <a:r>
-              <a:rPr lang="en-US" dirty="0" smtClean="0"/>
+              <a:rPr lang="en-US" dirty="0"/>
               <a:t>RTSP</a:t>
             </a:r>
-            <a:endParaRPr lang="en-US" dirty="0"/>
           </a:p>
         </p:txBody>
       </p:sp>
@@ -7521,10 +7328,9 @@
           <a:lstStyle/>
           <a:p>
             <a:r>
-              <a:rPr lang="en-US" dirty="0" smtClean="0"/>
+              <a:rPr lang="en-US" dirty="0"/>
               <a:t>disk</a:t>
             </a:r>
-            <a:endParaRPr lang="en-US" dirty="0"/>
           </a:p>
         </p:txBody>
       </p:sp>
@@ -7582,10 +7388,9 @@
           <a:p>
             <a:pPr algn="l"/>
             <a:r>
-              <a:rPr lang="en-US" dirty="0" smtClean="0"/>
+              <a:rPr lang="en-US" dirty="0"/>
               <a:t>AI Agent</a:t>
             </a:r>
-            <a:endParaRPr lang="en-US" dirty="0"/>
           </a:p>
         </p:txBody>
       </p:sp>
@@ -7616,14 +7421,13 @@
               <a:buChar char="•"/>
             </a:pPr>
             <a:r>
-              <a:rPr lang="en-US" dirty="0" err="1" smtClean="0"/>
+              <a:rPr lang="en-US" dirty="0" err="1"/>
               <a:t>xDetection</a:t>
             </a:r>
             <a:r>
-              <a:rPr lang="en-US" dirty="0" smtClean="0"/>
+              <a:rPr lang="en-US" dirty="0"/>
               <a:t> Object</a:t>
             </a:r>
-            <a:endParaRPr lang="en-US" dirty="0"/>
           </a:p>
         </p:txBody>
       </p:sp>
@@ -7655,13 +7459,8 @@
             </a:pPr>
             <a:r>
               <a:rPr lang="en-US" dirty="0"/>
-              <a:t>O</a:t>
-            </a:r>
-            <a:r>
-              <a:rPr lang="en-US" dirty="0" smtClean="0"/>
-              <a:t>verview</a:t>
-            </a:r>
-            <a:endParaRPr lang="en-US" dirty="0"/>
+              <a:t>Overview</a:t>
+            </a:r>
           </a:p>
         </p:txBody>
       </p:sp>
@@ -7708,7 +7507,7 @@
           <a:p>
             <a:pPr algn="ctr"/>
             <a:r>
-              <a:rPr lang="en-US" dirty="0" err="1" smtClean="0">
+              <a:rPr lang="en-US" dirty="0" err="1">
                 <a:solidFill>
                   <a:schemeClr val="tx1"/>
                 </a:solidFill>
@@ -7716,7 +7515,7 @@
               <a:t>xDetection</a:t>
             </a:r>
             <a:r>
-              <a:rPr lang="en-US" dirty="0" smtClean="0">
+              <a:rPr lang="en-US" dirty="0">
                 <a:solidFill>
                   <a:schemeClr val="tx1"/>
                 </a:solidFill>
@@ -7727,18 +7526,13 @@
           <a:p>
             <a:pPr algn="ctr"/>
             <a:r>
-              <a:rPr lang="en-US" dirty="0" smtClean="0">
+              <a:rPr lang="en-US" dirty="0">
                 <a:solidFill>
                   <a:schemeClr val="tx1"/>
                 </a:solidFill>
               </a:rPr>
               <a:t>Thread 1</a:t>
             </a:r>
-            <a:endParaRPr lang="en-US" dirty="0">
-              <a:solidFill>
-                <a:schemeClr val="tx1"/>
-              </a:solidFill>
-            </a:endParaRPr>
           </a:p>
         </p:txBody>
       </p:sp>
@@ -7765,10 +7559,9 @@
           <a:lstStyle/>
           <a:p>
             <a:r>
-              <a:rPr lang="en-US" dirty="0" smtClean="0"/>
+              <a:rPr lang="en-US" dirty="0"/>
               <a:t>AI Agent</a:t>
             </a:r>
-            <a:endParaRPr lang="en-US" dirty="0"/>
           </a:p>
         </p:txBody>
       </p:sp>
@@ -7798,10 +7591,9 @@
           <a:lstStyle/>
           <a:p>
             <a:r>
-              <a:rPr lang="en-US" sz="3200" dirty="0" smtClean="0"/>
+              <a:rPr lang="en-US" sz="3200" dirty="0"/>
               <a:t>…</a:t>
             </a:r>
-            <a:endParaRPr lang="en-US" sz="3200" dirty="0"/>
           </a:p>
         </p:txBody>
       </p:sp>
@@ -7848,7 +7640,7 @@
           <a:p>
             <a:pPr algn="ctr"/>
             <a:r>
-              <a:rPr lang="en-US" dirty="0" err="1" smtClean="0">
+              <a:rPr lang="en-US" dirty="0" err="1">
                 <a:solidFill>
                   <a:schemeClr val="tx1"/>
                 </a:solidFill>
@@ -7856,7 +7648,7 @@
               <a:t>xDetection</a:t>
             </a:r>
             <a:r>
-              <a:rPr lang="en-US" dirty="0" smtClean="0">
+              <a:rPr lang="en-US" dirty="0">
                 <a:solidFill>
                   <a:schemeClr val="tx1"/>
                 </a:solidFill>
@@ -7867,18 +7659,13 @@
           <a:p>
             <a:pPr algn="ctr"/>
             <a:r>
-              <a:rPr lang="en-US" dirty="0" smtClean="0">
+              <a:rPr lang="en-US" dirty="0">
                 <a:solidFill>
                   <a:schemeClr val="tx1"/>
                 </a:solidFill>
               </a:rPr>
               <a:t>Thread n</a:t>
             </a:r>
-            <a:endParaRPr lang="en-US" dirty="0">
-              <a:solidFill>
-                <a:schemeClr val="tx1"/>
-              </a:solidFill>
-            </a:endParaRPr>
           </a:p>
         </p:txBody>
       </p:sp>
@@ -8033,24 +7820,23 @@
           <a:lstStyle/>
           <a:p>
             <a:r>
-              <a:rPr lang="en-US" dirty="0" smtClean="0"/>
+              <a:rPr lang="en-US" dirty="0"/>
               <a:t>RGB </a:t>
             </a:r>
             <a:r>
-              <a:rPr lang="en-US" dirty="0" err="1" smtClean="0"/>
+              <a:rPr lang="en-US" dirty="0" err="1"/>
               <a:t>Frm</a:t>
             </a:r>
             <a:r>
-              <a:rPr lang="en-US" dirty="0" smtClean="0"/>
+              <a:rPr lang="en-US" dirty="0"/>
               <a:t> Q</a:t>
             </a:r>
           </a:p>
           <a:p>
             <a:r>
-              <a:rPr lang="en-US" dirty="0" smtClean="0"/>
+              <a:rPr lang="en-US" dirty="0"/>
               <a:t>    (shared)</a:t>
             </a:r>
-            <a:endParaRPr lang="en-US" dirty="0"/>
           </a:p>
         </p:txBody>
       </p:sp>
@@ -8102,7 +7888,7 @@
           <a:p>
             <a:pPr algn="ctr"/>
             <a:r>
-              <a:rPr lang="en-US" dirty="0" smtClean="0">
+              <a:rPr lang="en-US" dirty="0">
                 <a:solidFill>
                   <a:schemeClr val="tx1"/>
                 </a:solidFill>
@@ -8110,14 +7896,14 @@
               <a:t>Key </a:t>
             </a:r>
             <a:r>
-              <a:rPr lang="en-US" dirty="0" err="1" smtClean="0">
+              <a:rPr lang="en-US" dirty="0" err="1">
                 <a:solidFill>
                   <a:schemeClr val="tx1"/>
                 </a:solidFill>
               </a:rPr>
               <a:t>Frm</a:t>
             </a:r>
-            <a:endParaRPr lang="en-US" dirty="0" smtClean="0">
+            <a:endParaRPr lang="en-US" dirty="0">
               <a:solidFill>
                 <a:schemeClr val="tx1"/>
               </a:solidFill>
@@ -8168,18 +7954,13 @@
           <a:p>
             <a:pPr algn="ctr"/>
             <a:r>
-              <a:rPr lang="en-US" dirty="0" smtClean="0">
+              <a:rPr lang="en-US" dirty="0">
                 <a:solidFill>
                   <a:schemeClr val="tx1"/>
                 </a:solidFill>
               </a:rPr>
               <a:t>ML people detection</a:t>
             </a:r>
-            <a:endParaRPr lang="en-US" dirty="0">
-              <a:solidFill>
-                <a:schemeClr val="tx1"/>
-              </a:solidFill>
-            </a:endParaRPr>
           </a:p>
         </p:txBody>
       </p:sp>
@@ -8226,18 +8007,13 @@
           <a:p>
             <a:pPr algn="ctr"/>
             <a:r>
-              <a:rPr lang="en-US" dirty="0" smtClean="0">
+              <a:rPr lang="en-US" dirty="0">
                 <a:solidFill>
                   <a:schemeClr val="tx1"/>
                 </a:solidFill>
               </a:rPr>
               <a:t>change detection</a:t>
             </a:r>
-            <a:endParaRPr lang="en-US" dirty="0">
-              <a:solidFill>
-                <a:schemeClr val="tx1"/>
-              </a:solidFill>
-            </a:endParaRPr>
           </a:p>
         </p:txBody>
       </p:sp>
@@ -8366,7 +8142,7 @@
         </p:nvSpPr>
         <p:spPr>
           <a:xfrm>
-            <a:off x="3968496" y="3957935"/>
+            <a:off x="3968496" y="3974069"/>
             <a:ext cx="296876" cy="369332"/>
           </a:xfrm>
           <a:prstGeom prst="rect">
@@ -8381,10 +8157,9 @@
           <a:lstStyle/>
           <a:p>
             <a:r>
-              <a:rPr lang="en-US" dirty="0" smtClean="0"/>
+              <a:rPr lang="en-US" dirty="0"/>
               <a:t>Y</a:t>
             </a:r>
-            <a:endParaRPr lang="en-US" dirty="0"/>
           </a:p>
         </p:txBody>
       </p:sp>
@@ -8440,16 +8215,15 @@
           <a:lstStyle/>
           <a:p>
             <a:r>
-              <a:rPr lang="en-US" dirty="0" smtClean="0"/>
+              <a:rPr lang="en-US" dirty="0"/>
               <a:t>Object Q</a:t>
             </a:r>
           </a:p>
           <a:p>
             <a:r>
-              <a:rPr lang="en-US" dirty="0" smtClean="0"/>
+              <a:rPr lang="en-US" dirty="0"/>
               <a:t>(shared)</a:t>
             </a:r>
-            <a:endParaRPr lang="en-US" dirty="0"/>
           </a:p>
         </p:txBody>
       </p:sp>
@@ -8642,7 +8416,7 @@
             <a:lstStyle/>
             <a:p>
               <a:pPr algn="ctr"/>
-              <a:endParaRPr lang="en-US" dirty="0" err="1" smtClean="0">
+              <a:endParaRPr lang="en-US" dirty="0" err="1">
                 <a:solidFill>
                   <a:schemeClr val="tx1"/>
                 </a:solidFill>
@@ -8697,7 +8471,7 @@
             <a:lstStyle/>
             <a:p>
               <a:pPr algn="ctr"/>
-              <a:endParaRPr lang="en-US" dirty="0" err="1" smtClean="0">
+              <a:endParaRPr lang="en-US" dirty="0" err="1">
                 <a:solidFill>
                   <a:schemeClr val="tx1"/>
                 </a:solidFill>
@@ -8753,7 +8527,7 @@
           <a:lstStyle/>
           <a:p>
             <a:pPr algn="ctr"/>
-            <a:endParaRPr lang="en-US" dirty="0" err="1" smtClean="0">
+            <a:endParaRPr lang="en-US" dirty="0" err="1">
               <a:solidFill>
                 <a:schemeClr val="tx1"/>
               </a:solidFill>
@@ -8785,18 +8559,16 @@
           <a:p>
             <a:pPr algn="ctr"/>
             <a:r>
-              <a:rPr lang="en-US" dirty="0" smtClean="0"/>
+              <a:rPr lang="en-US" dirty="0"/>
               <a:t>Detection</a:t>
             </a:r>
-            <a:endParaRPr lang="en-US" dirty="0"/>
           </a:p>
           <a:p>
             <a:pPr algn="ctr"/>
             <a:r>
-              <a:rPr lang="en-US" dirty="0" smtClean="0"/>
+              <a:rPr lang="en-US" dirty="0"/>
               <a:t>DB</a:t>
             </a:r>
-            <a:endParaRPr lang="en-US" dirty="0"/>
           </a:p>
         </p:txBody>
       </p:sp>
@@ -8886,18 +8658,13 @@
               </a:lnSpc>
             </a:pPr>
             <a:r>
-              <a:rPr lang="en-US" dirty="0" smtClean="0">
+              <a:rPr lang="en-US" dirty="0">
                 <a:solidFill>
                   <a:schemeClr val="tx1"/>
                 </a:solidFill>
               </a:rPr>
               <a:t>File name service thread</a:t>
             </a:r>
-            <a:endParaRPr lang="en-US" dirty="0">
-              <a:solidFill>
-                <a:schemeClr val="tx1"/>
-              </a:solidFill>
-            </a:endParaRPr>
           </a:p>
         </p:txBody>
       </p:sp>
@@ -8996,10 +8763,9 @@
           <a:p>
             <a:pPr algn="l"/>
             <a:r>
-              <a:rPr lang="en-US" dirty="0" smtClean="0"/>
+              <a:rPr lang="en-US" dirty="0"/>
               <a:t>Local View Agent</a:t>
             </a:r>
-            <a:endParaRPr lang="en-US" dirty="0"/>
           </a:p>
         </p:txBody>
       </p:sp>
@@ -9050,7 +8816,7 @@
               </a:lnSpc>
             </a:pPr>
             <a:r>
-              <a:rPr lang="en-US" dirty="0" smtClean="0">
+              <a:rPr lang="en-US" dirty="0">
                 <a:solidFill>
                   <a:schemeClr val="tx1"/>
                 </a:solidFill>
@@ -9065,7 +8831,7 @@
               </a:lnSpc>
             </a:pPr>
             <a:r>
-              <a:rPr lang="en-US" dirty="0" smtClean="0">
+              <a:rPr lang="en-US" dirty="0">
                 <a:solidFill>
                   <a:schemeClr val="tx1"/>
                 </a:solidFill>
@@ -9080,18 +8846,13 @@
               </a:lnSpc>
             </a:pPr>
             <a:r>
-              <a:rPr lang="en-US" dirty="0" smtClean="0">
+              <a:rPr lang="en-US" dirty="0">
                 <a:solidFill>
                   <a:schemeClr val="tx1"/>
                 </a:solidFill>
               </a:rPr>
               <a:t>Thread</a:t>
             </a:r>
-            <a:endParaRPr lang="en-US" dirty="0">
-              <a:solidFill>
-                <a:schemeClr val="tx1"/>
-              </a:solidFill>
-            </a:endParaRPr>
           </a:p>
         </p:txBody>
       </p:sp>
@@ -9182,15 +8943,15 @@
             <a:lstStyle/>
             <a:p>
               <a:r>
-                <a:rPr lang="en-US" dirty="0" smtClean="0"/>
+                <a:rPr lang="en-US" dirty="0"/>
                 <a:t>RGB </a:t>
               </a:r>
               <a:r>
-                <a:rPr lang="en-US" dirty="0" err="1" smtClean="0"/>
+                <a:rPr lang="en-US" dirty="0" err="1"/>
                 <a:t>Frm</a:t>
               </a:r>
               <a:r>
-                <a:rPr lang="en-US" dirty="0" smtClean="0"/>
+                <a:rPr lang="en-US" dirty="0"/>
                 <a:t> Q: Camera n</a:t>
               </a:r>
             </a:p>
@@ -9222,16 +8983,8 @@
             <a:lstStyle/>
             <a:p>
               <a:r>
-                <a:rPr lang="en-US" dirty="0" smtClean="0"/>
-                <a:t>Object Q</a:t>
-              </a:r>
-              <a:r>
                 <a:rPr lang="en-US" dirty="0"/>
-                <a:t>:</a:t>
-              </a:r>
-              <a:r>
-                <a:rPr lang="en-US" dirty="0" smtClean="0"/>
-                <a:t> Camera n</a:t>
+                <a:t>Object Q: Camera n</a:t>
               </a:r>
             </a:p>
           </p:txBody>
@@ -9347,7 +9100,7 @@
               <a:lstStyle/>
               <a:p>
                 <a:pPr algn="ctr"/>
-                <a:endParaRPr lang="en-US" dirty="0" err="1" smtClean="0">
+                <a:endParaRPr lang="en-US" dirty="0" err="1">
                   <a:solidFill>
                     <a:schemeClr val="tx1"/>
                   </a:solidFill>
@@ -9402,7 +9155,7 @@
               <a:lstStyle/>
               <a:p>
                 <a:pPr algn="ctr"/>
-                <a:endParaRPr lang="en-US" dirty="0" err="1" smtClean="0">
+                <a:endParaRPr lang="en-US" dirty="0" err="1">
                   <a:solidFill>
                     <a:schemeClr val="tx1"/>
                   </a:solidFill>
@@ -9499,15 +9252,15 @@
             <a:lstStyle/>
             <a:p>
               <a:r>
-                <a:rPr lang="en-US" dirty="0" smtClean="0"/>
+                <a:rPr lang="en-US" dirty="0"/>
                 <a:t>RGB </a:t>
               </a:r>
               <a:r>
-                <a:rPr lang="en-US" dirty="0" err="1" smtClean="0"/>
+                <a:rPr lang="en-US" dirty="0" err="1"/>
                 <a:t>Frm</a:t>
               </a:r>
               <a:r>
-                <a:rPr lang="en-US" dirty="0" smtClean="0"/>
+                <a:rPr lang="en-US" dirty="0"/>
                 <a:t> Q: Camera 1</a:t>
               </a:r>
             </a:p>
@@ -9539,16 +9292,8 @@
             <a:lstStyle/>
             <a:p>
               <a:r>
-                <a:rPr lang="en-US" dirty="0" smtClean="0"/>
-                <a:t>Object Q</a:t>
-              </a:r>
-              <a:r>
                 <a:rPr lang="en-US" dirty="0"/>
-                <a:t>:</a:t>
-              </a:r>
-              <a:r>
-                <a:rPr lang="en-US" dirty="0" smtClean="0"/>
-                <a:t> Camera 1</a:t>
+                <a:t>Object Q: Camera 1</a:t>
               </a:r>
             </a:p>
           </p:txBody>
@@ -9664,7 +9409,7 @@
               <a:lstStyle/>
               <a:p>
                 <a:pPr algn="ctr"/>
-                <a:endParaRPr lang="en-US" dirty="0" err="1" smtClean="0">
+                <a:endParaRPr lang="en-US" dirty="0" err="1">
                   <a:solidFill>
                     <a:schemeClr val="tx1"/>
                   </a:solidFill>
@@ -9719,7 +9464,7 @@
               <a:lstStyle/>
               <a:p>
                 <a:pPr algn="ctr"/>
-                <a:endParaRPr lang="en-US" dirty="0" err="1" smtClean="0">
+                <a:endParaRPr lang="en-US" dirty="0" err="1">
                   <a:solidFill>
                     <a:schemeClr val="tx1"/>
                   </a:solidFill>
@@ -9752,10 +9497,9 @@
           <a:lstStyle/>
           <a:p>
             <a:r>
-              <a:rPr lang="en-US" sz="3200" b="1" dirty="0" smtClean="0"/>
+              <a:rPr lang="en-US" sz="3200" b="1" dirty="0"/>
               <a:t>…</a:t>
             </a:r>
-            <a:endParaRPr lang="en-US" sz="3200" b="1" dirty="0"/>
           </a:p>
         </p:txBody>
       </p:sp>
@@ -9958,7 +9702,7 @@
           <a:lstStyle/>
           <a:p>
             <a:pPr algn="ctr"/>
-            <a:endParaRPr lang="en-US" dirty="0" err="1" smtClean="0">
+            <a:endParaRPr lang="en-US" dirty="0" err="1">
               <a:solidFill>
                 <a:schemeClr val="tx1"/>
               </a:solidFill>
@@ -9989,16 +9733,15 @@
           <a:lstStyle/>
           <a:p>
             <a:r>
-              <a:rPr lang="en-US" dirty="0" smtClean="0"/>
+              <a:rPr lang="en-US" dirty="0"/>
               <a:t>Display </a:t>
             </a:r>
           </a:p>
           <a:p>
             <a:r>
-              <a:rPr lang="en-US" dirty="0" smtClean="0"/>
+              <a:rPr lang="en-US" dirty="0"/>
               <a:t>Window</a:t>
             </a:r>
-            <a:endParaRPr lang="en-US" dirty="0"/>
           </a:p>
         </p:txBody>
       </p:sp>
@@ -10064,10 +9807,9 @@
           <a:lstStyle/>
           <a:p>
             <a:r>
-              <a:rPr lang="en-US" dirty="0" smtClean="0"/>
+              <a:rPr lang="en-US" dirty="0"/>
               <a:t>RGB Image</a:t>
             </a:r>
-            <a:endParaRPr lang="en-US" dirty="0"/>
           </a:p>
         </p:txBody>
       </p:sp>
@@ -10125,10 +9867,9 @@
           <a:p>
             <a:pPr algn="l"/>
             <a:r>
-              <a:rPr lang="en-US" dirty="0" smtClean="0"/>
+              <a:rPr lang="en-US" dirty="0"/>
               <a:t>Relay Agent</a:t>
             </a:r>
-            <a:endParaRPr lang="en-US" dirty="0"/>
           </a:p>
         </p:txBody>
       </p:sp>
@@ -10179,18 +9920,13 @@
               </a:lnSpc>
             </a:pPr>
             <a:r>
-              <a:rPr lang="en-US" dirty="0" smtClean="0">
+              <a:rPr lang="en-US" dirty="0">
                 <a:solidFill>
                   <a:schemeClr val="tx1"/>
                 </a:solidFill>
               </a:rPr>
               <a:t>Relay Thread</a:t>
             </a:r>
-            <a:endParaRPr lang="en-US" dirty="0">
-              <a:solidFill>
-                <a:schemeClr val="tx1"/>
-              </a:solidFill>
-            </a:endParaRPr>
           </a:p>
         </p:txBody>
       </p:sp>
@@ -10281,15 +10017,15 @@
             <a:lstStyle/>
             <a:p>
               <a:r>
-                <a:rPr lang="en-US" dirty="0" smtClean="0"/>
+                <a:rPr lang="en-US" dirty="0"/>
                 <a:t>RGB </a:t>
               </a:r>
               <a:r>
-                <a:rPr lang="en-US" dirty="0" err="1" smtClean="0"/>
+                <a:rPr lang="en-US" dirty="0" err="1"/>
                 <a:t>Frm</a:t>
               </a:r>
               <a:r>
-                <a:rPr lang="en-US" dirty="0" smtClean="0"/>
+                <a:rPr lang="en-US" dirty="0"/>
                 <a:t> Q: Camera n</a:t>
               </a:r>
             </a:p>
@@ -10321,16 +10057,8 @@
             <a:lstStyle/>
             <a:p>
               <a:r>
-                <a:rPr lang="en-US" dirty="0" smtClean="0"/>
-                <a:t>Object Q</a:t>
-              </a:r>
-              <a:r>
                 <a:rPr lang="en-US" dirty="0"/>
-                <a:t>:</a:t>
-              </a:r>
-              <a:r>
-                <a:rPr lang="en-US" dirty="0" smtClean="0"/>
-                <a:t> Camera n</a:t>
+                <a:t>Object Q: Camera n</a:t>
               </a:r>
             </a:p>
           </p:txBody>
@@ -10446,7 +10174,7 @@
               <a:lstStyle/>
               <a:p>
                 <a:pPr algn="ctr"/>
-                <a:endParaRPr lang="en-US" dirty="0" err="1" smtClean="0">
+                <a:endParaRPr lang="en-US" dirty="0" err="1">
                   <a:solidFill>
                     <a:schemeClr val="tx1"/>
                   </a:solidFill>
@@ -10501,7 +10229,7 @@
               <a:lstStyle/>
               <a:p>
                 <a:pPr algn="ctr"/>
-                <a:endParaRPr lang="en-US" dirty="0" err="1" smtClean="0">
+                <a:endParaRPr lang="en-US" dirty="0" err="1">
                   <a:solidFill>
                     <a:schemeClr val="tx1"/>
                   </a:solidFill>
@@ -10598,15 +10326,15 @@
             <a:lstStyle/>
             <a:p>
               <a:r>
-                <a:rPr lang="en-US" dirty="0" smtClean="0"/>
+                <a:rPr lang="en-US" dirty="0"/>
                 <a:t>RGB </a:t>
               </a:r>
               <a:r>
-                <a:rPr lang="en-US" dirty="0" err="1" smtClean="0"/>
+                <a:rPr lang="en-US" dirty="0" err="1"/>
                 <a:t>Frm</a:t>
               </a:r>
               <a:r>
-                <a:rPr lang="en-US" dirty="0" smtClean="0"/>
+                <a:rPr lang="en-US" dirty="0"/>
                 <a:t> Q: Camera 1</a:t>
               </a:r>
             </a:p>
@@ -10638,16 +10366,8 @@
             <a:lstStyle/>
             <a:p>
               <a:r>
-                <a:rPr lang="en-US" dirty="0" smtClean="0"/>
-                <a:t>Object Q</a:t>
-              </a:r>
-              <a:r>
                 <a:rPr lang="en-US" dirty="0"/>
-                <a:t>:</a:t>
-              </a:r>
-              <a:r>
-                <a:rPr lang="en-US" dirty="0" smtClean="0"/>
-                <a:t> Camera 1</a:t>
+                <a:t>Object Q: Camera 1</a:t>
               </a:r>
             </a:p>
           </p:txBody>
@@ -10763,7 +10483,7 @@
               <a:lstStyle/>
               <a:p>
                 <a:pPr algn="ctr"/>
-                <a:endParaRPr lang="en-US" dirty="0" err="1" smtClean="0">
+                <a:endParaRPr lang="en-US" dirty="0" err="1">
                   <a:solidFill>
                     <a:schemeClr val="tx1"/>
                   </a:solidFill>
@@ -10818,7 +10538,7 @@
               <a:lstStyle/>
               <a:p>
                 <a:pPr algn="ctr"/>
-                <a:endParaRPr lang="en-US" dirty="0" err="1" smtClean="0">
+                <a:endParaRPr lang="en-US" dirty="0" err="1">
                   <a:solidFill>
                     <a:schemeClr val="tx1"/>
                   </a:solidFill>
@@ -10851,10 +10571,9 @@
           <a:lstStyle/>
           <a:p>
             <a:r>
-              <a:rPr lang="en-US" sz="3200" b="1" dirty="0" smtClean="0"/>
+              <a:rPr lang="en-US" sz="3200" b="1" dirty="0"/>
               <a:t>…</a:t>
             </a:r>
-            <a:endParaRPr lang="en-US" sz="3200" b="1" dirty="0"/>
           </a:p>
         </p:txBody>
       </p:sp>
@@ -11058,7 +10777,7 @@
           <a:p>
             <a:pPr algn="ctr"/>
             <a:r>
-              <a:rPr lang="en-US" dirty="0" smtClean="0">
+              <a:rPr lang="en-US" dirty="0">
                 <a:solidFill>
                   <a:schemeClr val="tx1"/>
                 </a:solidFill>
@@ -11069,7 +10788,7 @@
           <a:p>
             <a:pPr algn="ctr"/>
             <a:r>
-              <a:rPr lang="en-US" dirty="0" smtClean="0">
+              <a:rPr lang="en-US" dirty="0">
                 <a:solidFill>
                   <a:schemeClr val="tx1"/>
                 </a:solidFill>
@@ -11131,7 +10850,7 @@
               </a:lnSpc>
             </a:pPr>
             <a:r>
-              <a:rPr lang="en-US" dirty="0" smtClean="0">
+              <a:rPr lang="en-US" dirty="0">
                 <a:solidFill>
                   <a:schemeClr val="tx1"/>
                 </a:solidFill>
@@ -11146,14 +10865,14 @@
               </a:lnSpc>
             </a:pPr>
             <a:r>
-              <a:rPr lang="en-US" dirty="0" err="1" smtClean="0">
+              <a:rPr lang="en-US" dirty="0" err="1">
                 <a:solidFill>
                   <a:schemeClr val="tx1"/>
                 </a:solidFill>
               </a:rPr>
               <a:t>wechat</a:t>
             </a:r>
-            <a:endParaRPr lang="en-US" dirty="0" smtClean="0">
+            <a:endParaRPr lang="en-US" dirty="0">
               <a:solidFill>
                 <a:schemeClr val="tx1"/>
               </a:solidFill>
@@ -11166,7 +10885,7 @@
               </a:lnSpc>
             </a:pPr>
             <a:r>
-              <a:rPr lang="en-US" dirty="0" smtClean="0">
+              <a:rPr lang="en-US" dirty="0">
                 <a:solidFill>
                   <a:schemeClr val="tx1"/>
                 </a:solidFill>
@@ -11181,7 +10900,7 @@
               </a:lnSpc>
             </a:pPr>
             <a:r>
-              <a:rPr lang="en-US" dirty="0" smtClean="0">
+              <a:rPr lang="en-US" dirty="0">
                 <a:solidFill>
                   <a:schemeClr val="tx1"/>
                 </a:solidFill>
@@ -11239,7 +10958,7 @@
           <a:p>
             <a:pPr algn="ctr"/>
             <a:r>
-              <a:rPr lang="en-US" dirty="0" smtClean="0">
+              <a:rPr lang="en-US" dirty="0">
                 <a:solidFill>
                   <a:schemeClr val="tx1"/>
                 </a:solidFill>
@@ -11250,7 +10969,7 @@
           <a:p>
             <a:pPr algn="ctr"/>
             <a:r>
-              <a:rPr lang="en-US" dirty="0" smtClean="0">
+              <a:rPr lang="en-US" dirty="0">
                 <a:solidFill>
                   <a:schemeClr val="tx1"/>
                 </a:solidFill>
@@ -11284,19 +11003,14 @@
           <a:p>
             <a:r>
               <a:rPr lang="en-US" dirty="0"/>
-              <a:t>v</a:t>
-            </a:r>
-            <a:r>
-              <a:rPr lang="en-US" dirty="0" smtClean="0"/>
-              <a:t>ideo </a:t>
-            </a:r>
-          </a:p>
-          <a:p>
-            <a:r>
-              <a:rPr lang="en-US" dirty="0" smtClean="0"/>
+              <a:t>video </a:t>
+            </a:r>
+          </a:p>
+          <a:p>
+            <a:r>
+              <a:rPr lang="en-US" dirty="0"/>
               <a:t>streams</a:t>
             </a:r>
-            <a:endParaRPr lang="en-US" dirty="0"/>
           </a:p>
         </p:txBody>
       </p:sp>
@@ -11440,22 +11154,21 @@
           <a:lstStyle/>
           <a:p>
             <a:r>
-              <a:rPr lang="en-US" dirty="0" smtClean="0"/>
+              <a:rPr lang="en-US" dirty="0"/>
               <a:t>Alarm </a:t>
             </a:r>
           </a:p>
           <a:p>
             <a:r>
-              <a:rPr lang="en-US" dirty="0" smtClean="0"/>
+              <a:rPr lang="en-US" dirty="0"/>
               <a:t>message</a:t>
             </a:r>
           </a:p>
           <a:p>
             <a:r>
-              <a:rPr lang="en-US" dirty="0" smtClean="0"/>
+              <a:rPr lang="en-US" dirty="0"/>
               <a:t>images</a:t>
             </a:r>
-            <a:endParaRPr lang="en-US" dirty="0"/>
           </a:p>
         </p:txBody>
       </p:sp>
@@ -11513,10 +11226,9 @@
           <a:p>
             <a:pPr algn="l"/>
             <a:r>
-              <a:rPr lang="en-US" dirty="0" smtClean="0"/>
+              <a:rPr lang="en-US" dirty="0"/>
               <a:t>GUI</a:t>
             </a:r>
-            <a:endParaRPr lang="en-US" dirty="0"/>
           </a:p>
         </p:txBody>
       </p:sp>
@@ -11528,7 +11240,7 @@
         </p:nvGrpSpPr>
         <p:grpSpPr>
           <a:xfrm>
-            <a:off x="904596" y="240268"/>
+            <a:off x="2458250" y="757388"/>
             <a:ext cx="4227500" cy="3276600"/>
             <a:chOff x="4590393" y="685800"/>
             <a:chExt cx="1828800" cy="1905000"/>
@@ -11576,7 +11288,7 @@
             <a:lstStyle/>
             <a:p>
               <a:pPr algn="ctr"/>
-              <a:endParaRPr lang="en-US" dirty="0" err="1" smtClean="0">
+              <a:endParaRPr lang="en-US" dirty="0" err="1">
                 <a:solidFill>
                   <a:schemeClr val="tx1"/>
                 </a:solidFill>
@@ -11629,7 +11341,7 @@
             <a:p>
               <a:pPr algn="ctr"/>
               <a:r>
-                <a:rPr lang="en-US" dirty="0" smtClean="0">
+                <a:rPr lang="en-US" dirty="0">
                   <a:solidFill>
                     <a:schemeClr val="tx1"/>
                   </a:solidFill>
@@ -11684,7 +11396,7 @@
             <a:p>
               <a:pPr algn="ctr"/>
               <a:r>
-                <a:rPr lang="en-US" dirty="0" smtClean="0">
+                <a:rPr lang="en-US" dirty="0">
                   <a:solidFill>
                     <a:schemeClr val="tx1"/>
                   </a:solidFill>
@@ -11739,7 +11451,7 @@
             <a:p>
               <a:pPr algn="ctr"/>
               <a:r>
-                <a:rPr lang="en-US" dirty="0" smtClean="0">
+                <a:rPr lang="en-US" dirty="0">
                   <a:solidFill>
                     <a:schemeClr val="tx1"/>
                   </a:solidFill>
@@ -11794,7 +11506,7 @@
             <a:p>
               <a:pPr algn="ctr"/>
               <a:r>
-                <a:rPr lang="en-US" dirty="0" smtClean="0">
+                <a:rPr lang="en-US" dirty="0">
                   <a:solidFill>
                     <a:schemeClr val="tx1"/>
                   </a:solidFill>
@@ -11813,7 +11525,7 @@
         </p:nvSpPr>
         <p:spPr>
           <a:xfrm>
-            <a:off x="922884" y="3486388"/>
+            <a:off x="2454407" y="4049228"/>
             <a:ext cx="4203852" cy="990600"/>
           </a:xfrm>
           <a:prstGeom prst="rect">
@@ -11847,7 +11559,7 @@
           <a:lstStyle/>
           <a:p>
             <a:pPr algn="ctr"/>
-            <a:endParaRPr lang="en-US" dirty="0" err="1" smtClean="0">
+            <a:endParaRPr lang="en-US" dirty="0" err="1">
               <a:solidFill>
                 <a:schemeClr val="tx1"/>
               </a:solidFill>
@@ -11863,7 +11575,7 @@
         </p:nvSpPr>
         <p:spPr>
           <a:xfrm>
-            <a:off x="1981200" y="3505200"/>
+            <a:off x="3512723" y="4068040"/>
             <a:ext cx="359394" cy="369332"/>
           </a:xfrm>
           <a:prstGeom prst="rect">
@@ -11878,10 +11590,9 @@
           <a:lstStyle/>
           <a:p>
             <a:r>
-              <a:rPr lang="en-US" dirty="0" smtClean="0"/>
+              <a:rPr lang="en-US" dirty="0"/>
               <a:t>id</a:t>
             </a:r>
-            <a:endParaRPr lang="en-US" dirty="0"/>
           </a:p>
         </p:txBody>
       </p:sp>
@@ -11893,8 +11604,8 @@
         </p:nvSpPr>
         <p:spPr>
           <a:xfrm>
-            <a:off x="2362200" y="3505200"/>
-            <a:ext cx="716863" cy="369332"/>
+            <a:off x="3893723" y="4068040"/>
+            <a:ext cx="797013" cy="369332"/>
           </a:xfrm>
           <a:prstGeom prst="rect">
             <a:avLst/>
@@ -11908,10 +11619,9 @@
           <a:lstStyle/>
           <a:p>
             <a:r>
-              <a:rPr lang="en-US" dirty="0" smtClean="0"/>
-              <a:t>name</a:t>
-            </a:r>
-            <a:endParaRPr lang="en-US" dirty="0"/>
+              <a:rPr lang="en-US" dirty="0"/>
+              <a:t>Name </a:t>
+            </a:r>
           </a:p>
         </p:txBody>
       </p:sp>
@@ -11923,7 +11633,7 @@
         </p:nvSpPr>
         <p:spPr>
           <a:xfrm>
-            <a:off x="3016937" y="3516868"/>
+            <a:off x="4548460" y="4079708"/>
             <a:ext cx="2007922" cy="369332"/>
           </a:xfrm>
           <a:prstGeom prst="rect">
@@ -11939,22 +11649,18 @@
           <a:p>
             <a:r>
               <a:rPr lang="en-US" dirty="0"/>
-              <a:t>f</a:t>
-            </a:r>
-            <a:r>
-              <a:rPr lang="en-US" dirty="0" smtClean="0"/>
-              <a:t>ps  </a:t>
-            </a:r>
-            <a:r>
-              <a:rPr lang="en-US" dirty="0" err="1" smtClean="0"/>
+              <a:t>fps  </a:t>
+            </a:r>
+            <a:r>
+              <a:rPr lang="en-US" dirty="0" err="1"/>
               <a:t>ImgSz</a:t>
             </a:r>
             <a:r>
-              <a:rPr lang="en-US" dirty="0" smtClean="0"/>
+              <a:rPr lang="en-US" dirty="0"/>
               <a:t>  rec  </a:t>
             </a:r>
             <a:r>
-              <a:rPr lang="en-US" dirty="0" err="1" smtClean="0"/>
+              <a:rPr lang="en-US" dirty="0" err="1"/>
               <a:t>disp</a:t>
             </a:r>
             <a:endParaRPr lang="en-US" dirty="0"/>
@@ -11969,7 +11675,7 @@
         </p:nvSpPr>
         <p:spPr>
           <a:xfrm>
-            <a:off x="901548" y="3496270"/>
+            <a:off x="2433071" y="4059110"/>
             <a:ext cx="851052" cy="923330"/>
           </a:xfrm>
           <a:prstGeom prst="rect">
@@ -11988,13 +11694,13 @@
           <a:lstStyle/>
           <a:p>
             <a:r>
-              <a:rPr lang="en-US" dirty="0" smtClean="0"/>
+              <a:rPr lang="en-US" dirty="0"/>
               <a:t>Logo</a:t>
             </a:r>
           </a:p>
           <a:p>
             <a:r>
-              <a:rPr lang="en-US" dirty="0" smtClean="0"/>
+              <a:rPr lang="en-US" dirty="0"/>
               <a:t>Image</a:t>
             </a:r>
           </a:p>
